--- a/Bigeye Vocalisation.pptx
+++ b/Bigeye Vocalisation.pptx
@@ -3355,21 +3355,21 @@
           <a:chExt cx="0" cy="0"/>
         </a:xfrm>
       </p:grpSpPr>
-      <p:cxnSp>
-        <p:nvCxnSpPr>
-          <p:cNvPr id="10" name="Straight Connector 9">
-            <a:extLst>
-              <a:ext uri="{FF2B5EF4-FFF2-40B4-BE49-F238E27FC236}">
-                <a16:creationId xmlns:a16="http://schemas.microsoft.com/office/drawing/2014/main" id="{D2E961F1-4A28-4A5F-BBD4-6E400E5E6C75}"/>
+      <p:sp>
+        <p:nvSpPr>
+          <p:cNvPr id="21" name="Rectangle 20">
+            <a:extLst>
+              <a:ext uri="{FF2B5EF4-FFF2-40B4-BE49-F238E27FC236}">
+                <a16:creationId xmlns:a16="http://schemas.microsoft.com/office/drawing/2014/main" id="{823AC064-BC96-4F32-8AE1-B2FD38754823}"/>
               </a:ext>
               <a:ext uri="{C183D7F6-B498-43B3-948B-1728B52AA6E4}">
                 <adec:decorative xmlns:adec="http://schemas.microsoft.com/office/drawing/2017/decorative" val="1"/>
               </a:ext>
             </a:extLst>
           </p:cNvPr>
-          <p:cNvCxnSpPr>
-            <a:cxnSpLocks noGrp="1" noRot="1" noChangeAspect="1" noMove="1" noResize="1" noEditPoints="1" noAdjustHandles="1" noChangeArrowheads="1" noChangeShapeType="1"/>
-          </p:cNvCxnSpPr>
+          <p:cNvSpPr>
+            <a:spLocks noGrp="1" noRot="1" noChangeAspect="1" noMove="1" noResize="1" noEditPoints="1" noAdjustHandles="1" noChangeArrowheads="1" noChangeShapeType="1" noTextEdit="1"/>
+          </p:cNvSpPr>
           <p:nvPr>
             <p:extLst>
               <p:ext uri="{386F3935-93C4-4BCD-93E2-E3B085C9AB24}">
@@ -3377,78 +3377,22 @@
               </p:ext>
             </p:extLst>
           </p:nvPr>
-        </p:nvCxnSpPr>
-        <p:spPr bwMode="white">
+        </p:nvSpPr>
+        <p:spPr bwMode="ltGray">
           <a:xfrm>
-            <a:off x="0" y="272357"/>
-            <a:ext cx="12188824" cy="0"/>
-          </a:xfrm>
-          <a:prstGeom prst="line">
-            <a:avLst/>
-          </a:prstGeom>
-          <a:ln w="50800">
-            <a:solidFill>
-              <a:schemeClr val="tx1">
-                <a:lumMod val="75000"/>
-                <a:lumOff val="25000"/>
-              </a:schemeClr>
-            </a:solidFill>
-          </a:ln>
-        </p:spPr>
-        <p:style>
-          <a:lnRef idx="1">
-            <a:schemeClr val="accent1"/>
-          </a:lnRef>
-          <a:fillRef idx="0">
-            <a:schemeClr val="accent1"/>
-          </a:fillRef>
-          <a:effectRef idx="0">
-            <a:schemeClr val="accent1"/>
-          </a:effectRef>
-          <a:fontRef idx="minor">
-            <a:schemeClr val="tx1"/>
-          </a:fontRef>
-        </p:style>
-      </p:cxnSp>
-      <p:sp>
-        <p:nvSpPr>
-          <p:cNvPr id="12" name="Rectangle 11">
-            <a:extLst>
-              <a:ext uri="{FF2B5EF4-FFF2-40B4-BE49-F238E27FC236}">
-                <a16:creationId xmlns:a16="http://schemas.microsoft.com/office/drawing/2014/main" id="{7F57BEA8-497D-4AA8-8A18-BDCD696B25FE}"/>
-              </a:ext>
-              <a:ext uri="{C183D7F6-B498-43B3-948B-1728B52AA6E4}">
-                <adec:decorative xmlns:adec="http://schemas.microsoft.com/office/drawing/2017/decorative" val="1"/>
-              </a:ext>
-            </a:extLst>
-          </p:cNvPr>
-          <p:cNvSpPr>
-            <a:spLocks noGrp="1" noRot="1" noChangeAspect="1" noMove="1" noResize="1" noEditPoints="1" noAdjustHandles="1" noChangeArrowheads="1" noChangeShapeType="1" noTextEdit="1"/>
-          </p:cNvSpPr>
-          <p:nvPr>
-            <p:extLst>
-              <p:ext uri="{386F3935-93C4-4BCD-93E2-E3B085C9AB24}">
-                <p16:designElem xmlns:p16="http://schemas.microsoft.com/office/powerpoint/2015/main" val="1"/>
-              </p:ext>
-            </p:extLst>
-          </p:nvPr>
-        </p:nvSpPr>
-        <p:spPr>
-          <a:xfrm>
-            <a:off x="0" y="368596"/>
-            <a:ext cx="12192000" cy="1735555"/>
+            <a:off x="396882" y="280374"/>
+            <a:ext cx="11438793" cy="1844256"/>
           </a:xfrm>
           <a:prstGeom prst="rect">
             <a:avLst/>
           </a:prstGeom>
           <a:solidFill>
-            <a:schemeClr val="tx1">
-              <a:lumMod val="75000"/>
-              <a:lumOff val="25000"/>
-            </a:schemeClr>
+            <a:srgbClr val="404040"/>
           </a:solidFill>
-          <a:ln>
-            <a:noFill/>
+          <a:ln w="127000" cap="sq" cmpd="thinThick">
+            <a:solidFill>
+              <a:srgbClr val="404040"/>
+            </a:solidFill>
           </a:ln>
         </p:spPr>
         <p:style>
@@ -3494,7 +3438,7 @@
         </p:nvSpPr>
         <p:spPr>
           <a:xfrm>
-            <a:off x="526073" y="489439"/>
+            <a:off x="546351" y="433545"/>
             <a:ext cx="11139854" cy="930447"/>
           </a:xfrm>
         </p:spPr>
@@ -3506,49 +3450,49 @@
           <a:p>
             <a:r>
               <a:rPr lang="en-NZ" sz="5400" dirty="0">
+                <a:solidFill>
+                  <a:srgbClr val="FFFFFF"/>
+                </a:solidFill>
+              </a:rPr>
+              <a:t>Signal Processing</a:t>
+            </a:r>
+          </a:p>
+        </p:txBody>
+      </p:sp>
+      <p:sp>
+        <p:nvSpPr>
+          <p:cNvPr id="3" name="Subtitle 2">
+            <a:extLst>
+              <a:ext uri="{FF2B5EF4-FFF2-40B4-BE49-F238E27FC236}">
+                <a16:creationId xmlns:a16="http://schemas.microsoft.com/office/drawing/2014/main" id="{8A4B7E61-3AAB-40C3-824D-9F95F0D943E1}"/>
+              </a:ext>
+            </a:extLst>
+          </p:cNvPr>
+          <p:cNvSpPr>
+            <a:spLocks noGrp="1"/>
+          </p:cNvSpPr>
+          <p:nvPr>
+            <p:ph type="subTitle" idx="1"/>
+          </p:nvPr>
+        </p:nvSpPr>
+        <p:spPr>
+          <a:xfrm>
+            <a:off x="1544278" y="1645723"/>
+            <a:ext cx="9144000" cy="420001"/>
+          </a:xfrm>
+        </p:spPr>
+        <p:txBody>
+          <a:bodyPr>
+            <a:normAutofit/>
+          </a:bodyPr>
+          <a:lstStyle/>
+          <a:p>
+            <a:r>
+              <a:rPr lang="en-NZ" sz="2000" dirty="0">
                 <a:solidFill>
                   <a:schemeClr val="bg1"/>
                 </a:solidFill>
               </a:rPr>
-              <a:t>Signal Processing</a:t>
-            </a:r>
-          </a:p>
-        </p:txBody>
-      </p:sp>
-      <p:sp>
-        <p:nvSpPr>
-          <p:cNvPr id="3" name="Subtitle 2">
-            <a:extLst>
-              <a:ext uri="{FF2B5EF4-FFF2-40B4-BE49-F238E27FC236}">
-                <a16:creationId xmlns:a16="http://schemas.microsoft.com/office/drawing/2014/main" id="{8A4B7E61-3AAB-40C3-824D-9F95F0D943E1}"/>
-              </a:ext>
-            </a:extLst>
-          </p:cNvPr>
-          <p:cNvSpPr>
-            <a:spLocks noGrp="1"/>
-          </p:cNvSpPr>
-          <p:nvPr>
-            <p:ph type="subTitle" idx="1"/>
-          </p:nvPr>
-        </p:nvSpPr>
-        <p:spPr>
-          <a:xfrm>
-            <a:off x="1524000" y="1548499"/>
-            <a:ext cx="9144000" cy="420001"/>
-          </a:xfrm>
-        </p:spPr>
-        <p:txBody>
-          <a:bodyPr>
-            <a:normAutofit/>
-          </a:bodyPr>
-          <a:lstStyle/>
-          <a:p>
-            <a:r>
-              <a:rPr lang="en-NZ" sz="2000" dirty="0">
-                <a:solidFill>
-                  <a:srgbClr val="097CFF"/>
-                </a:solidFill>
-              </a:rPr>
               <a:t>Audacity</a:t>
             </a:r>
           </a:p>
@@ -3556,10 +3500,10 @@
       </p:sp>
       <p:cxnSp>
         <p:nvCxnSpPr>
-          <p:cNvPr id="14" name="Straight Connector 13">
-            <a:extLst>
-              <a:ext uri="{FF2B5EF4-FFF2-40B4-BE49-F238E27FC236}">
-                <a16:creationId xmlns:a16="http://schemas.microsoft.com/office/drawing/2014/main" id="{A82415D3-DDE5-4D63-8CB3-23A5EC581B27}"/>
+          <p:cNvPr id="23" name="Straight Connector 22">
+            <a:extLst>
+              <a:ext uri="{FF2B5EF4-FFF2-40B4-BE49-F238E27FC236}">
+                <a16:creationId xmlns:a16="http://schemas.microsoft.com/office/drawing/2014/main" id="{7E7C77BC-7138-40B1-A15B-20F57A494629}"/>
               </a:ext>
               <a:ext uri="{C183D7F6-B498-43B3-948B-1728B52AA6E4}">
                 <adec:decorative xmlns:adec="http://schemas.microsoft.com/office/drawing/2017/decorative" val="1"/>
@@ -3579,72 +3523,15 @@
         </p:nvCxnSpPr>
         <p:spPr>
           <a:xfrm>
-            <a:off x="4724400" y="1479733"/>
-            <a:ext cx="2743200" cy="0"/>
+            <a:off x="2230078" y="1522292"/>
+            <a:ext cx="7772400" cy="0"/>
           </a:xfrm>
           <a:prstGeom prst="line">
             <a:avLst/>
           </a:prstGeom>
-          <a:ln w="19050">
+          <a:ln w="22225">
             <a:solidFill>
-              <a:schemeClr val="bg1">
-                <a:alpha val="75000"/>
-              </a:schemeClr>
-            </a:solidFill>
-          </a:ln>
-        </p:spPr>
-        <p:style>
-          <a:lnRef idx="1">
-            <a:schemeClr val="accent1"/>
-          </a:lnRef>
-          <a:fillRef idx="0">
-            <a:schemeClr val="accent1"/>
-          </a:fillRef>
-          <a:effectRef idx="0">
-            <a:schemeClr val="accent1"/>
-          </a:effectRef>
-          <a:fontRef idx="minor">
-            <a:schemeClr val="tx1"/>
-          </a:fontRef>
-        </p:style>
-      </p:cxnSp>
-      <p:cxnSp>
-        <p:nvCxnSpPr>
-          <p:cNvPr id="16" name="Straight Connector 15">
-            <a:extLst>
-              <a:ext uri="{FF2B5EF4-FFF2-40B4-BE49-F238E27FC236}">
-                <a16:creationId xmlns:a16="http://schemas.microsoft.com/office/drawing/2014/main" id="{AD7193FB-6AE6-4B3B-8F89-56B55DD63B4D}"/>
-              </a:ext>
-              <a:ext uri="{C183D7F6-B498-43B3-948B-1728B52AA6E4}">
-                <adec:decorative xmlns:adec="http://schemas.microsoft.com/office/drawing/2017/decorative" val="1"/>
-              </a:ext>
-            </a:extLst>
-          </p:cNvPr>
-          <p:cNvCxnSpPr>
-            <a:cxnSpLocks noGrp="1" noRot="1" noChangeAspect="1" noMove="1" noResize="1" noEditPoints="1" noAdjustHandles="1" noChangeArrowheads="1" noChangeShapeType="1"/>
-          </p:cNvCxnSpPr>
-          <p:nvPr>
-            <p:extLst>
-              <p:ext uri="{386F3935-93C4-4BCD-93E2-E3B085C9AB24}">
-                <p16:designElem xmlns:p16="http://schemas.microsoft.com/office/powerpoint/2015/main" val="1"/>
-              </p:ext>
-            </p:extLst>
-          </p:nvPr>
-        </p:nvCxnSpPr>
-        <p:spPr bwMode="white">
-          <a:xfrm>
-            <a:off x="0" y="2201402"/>
-            <a:ext cx="12188824" cy="0"/>
-          </a:xfrm>
-          <a:prstGeom prst="line">
-            <a:avLst/>
-          </a:prstGeom>
-          <a:ln w="50800">
-            <a:solidFill>
-              <a:schemeClr val="tx1">
-                <a:lumMod val="75000"/>
-                <a:lumOff val="25000"/>
-              </a:schemeClr>
+              <a:srgbClr val="D9D9D9"/>
             </a:solidFill>
           </a:ln>
         </p:spPr>
@@ -3677,28 +3564,79 @@
           </p:cNvPicPr>
           <p:nvPr/>
         </p:nvPicPr>
-        <p:blipFill>
+        <p:blipFill rotWithShape="1">
           <a:blip r:embed="rId2"/>
-          <a:stretch>
-            <a:fillRect/>
-          </a:stretch>
+          <a:srcRect r="24285"/>
+          <a:stretch/>
         </p:blipFill>
         <p:spPr>
           <a:xfrm>
-            <a:off x="1835241" y="2232764"/>
-            <a:ext cx="7881870" cy="2495165"/>
+            <a:off x="6237287" y="2843215"/>
+            <a:ext cx="5599057" cy="2347875"/>
           </a:xfrm>
           <a:prstGeom prst="rect">
             <a:avLst/>
           </a:prstGeom>
         </p:spPr>
       </p:pic>
+      <p:cxnSp>
+        <p:nvCxnSpPr>
+          <p:cNvPr id="25" name="Straight Connector 24">
+            <a:extLst>
+              <a:ext uri="{FF2B5EF4-FFF2-40B4-BE49-F238E27FC236}">
+                <a16:creationId xmlns:a16="http://schemas.microsoft.com/office/drawing/2014/main" id="{DB146403-F3D6-484B-B2ED-97F9565D0370}"/>
+              </a:ext>
+              <a:ext uri="{C183D7F6-B498-43B3-948B-1728B52AA6E4}">
+                <adec:decorative xmlns:adec="http://schemas.microsoft.com/office/drawing/2017/decorative" val="1"/>
+              </a:ext>
+            </a:extLst>
+          </p:cNvPr>
+          <p:cNvCxnSpPr>
+            <a:cxnSpLocks noGrp="1" noRot="1" noChangeAspect="1" noMove="1" noResize="1" noEditPoints="1" noAdjustHandles="1" noChangeArrowheads="1" noChangeShapeType="1"/>
+          </p:cNvCxnSpPr>
+          <p:nvPr>
+            <p:extLst>
+              <p:ext uri="{386F3935-93C4-4BCD-93E2-E3B085C9AB24}">
+                <p16:designElem xmlns:p16="http://schemas.microsoft.com/office/powerpoint/2015/main" val="1"/>
+              </p:ext>
+            </p:extLst>
+          </p:nvPr>
+        </p:nvCxnSpPr>
+        <p:spPr>
+          <a:xfrm>
+            <a:off x="6116278" y="2596836"/>
+            <a:ext cx="0" cy="3657600"/>
+          </a:xfrm>
+          <a:prstGeom prst="line">
+            <a:avLst/>
+          </a:prstGeom>
+          <a:ln w="101600" cmpd="dbl">
+            <a:solidFill>
+              <a:srgbClr val="595959"/>
+            </a:solidFill>
+          </a:ln>
+        </p:spPr>
+        <p:style>
+          <a:lnRef idx="1">
+            <a:schemeClr val="accent1"/>
+          </a:lnRef>
+          <a:fillRef idx="0">
+            <a:schemeClr val="accent1"/>
+          </a:fillRef>
+          <a:effectRef idx="0">
+            <a:schemeClr val="accent1"/>
+          </a:effectRef>
+          <a:fontRef idx="minor">
+            <a:schemeClr val="tx1"/>
+          </a:fontRef>
+        </p:style>
+      </p:cxnSp>
       <p:pic>
         <p:nvPicPr>
-          <p:cNvPr id="9" name="Picture 8">
-            <a:extLst>
-              <a:ext uri="{FF2B5EF4-FFF2-40B4-BE49-F238E27FC236}">
-                <a16:creationId xmlns:a16="http://schemas.microsoft.com/office/drawing/2014/main" id="{CA4EFD58-82A6-4A08-AF34-01B55260536F}"/>
+          <p:cNvPr id="13" name="Picture 12">
+            <a:extLst>
+              <a:ext uri="{FF2B5EF4-FFF2-40B4-BE49-F238E27FC236}">
+                <a16:creationId xmlns:a16="http://schemas.microsoft.com/office/drawing/2014/main" id="{59DD9940-9C9F-4992-810B-A58032E7D8B3}"/>
               </a:ext>
             </a:extLst>
           </p:cNvPr>
@@ -3707,22 +3645,91 @@
           </p:cNvPicPr>
           <p:nvPr/>
         </p:nvPicPr>
-        <p:blipFill>
+        <p:blipFill rotWithShape="1">
           <a:blip r:embed="rId3"/>
-          <a:stretch>
-            <a:fillRect/>
-          </a:stretch>
+          <a:srcRect r="24229"/>
+          <a:stretch/>
         </p:blipFill>
         <p:spPr>
           <a:xfrm>
-            <a:off x="1835241" y="4766069"/>
-            <a:ext cx="7972684" cy="2027536"/>
+            <a:off x="396882" y="2767460"/>
+            <a:ext cx="5598388" cy="2499386"/>
           </a:xfrm>
           <a:prstGeom prst="rect">
             <a:avLst/>
           </a:prstGeom>
         </p:spPr>
       </p:pic>
+      <p:sp>
+        <p:nvSpPr>
+          <p:cNvPr id="15" name="TextBox 14">
+            <a:extLst>
+              <a:ext uri="{FF2B5EF4-FFF2-40B4-BE49-F238E27FC236}">
+                <a16:creationId xmlns:a16="http://schemas.microsoft.com/office/drawing/2014/main" id="{92D638D9-689E-48A3-9604-9F855906177D}"/>
+              </a:ext>
+            </a:extLst>
+          </p:cNvPr>
+          <p:cNvSpPr txBox="1"/>
+          <p:nvPr/>
+        </p:nvSpPr>
+        <p:spPr>
+          <a:xfrm>
+            <a:off x="2596987" y="5725009"/>
+            <a:ext cx="1198178" cy="369332"/>
+          </a:xfrm>
+          <a:prstGeom prst="rect">
+            <a:avLst/>
+          </a:prstGeom>
+          <a:noFill/>
+        </p:spPr>
+        <p:txBody>
+          <a:bodyPr wrap="square" rtlCol="0">
+            <a:spAutoFit/>
+          </a:bodyPr>
+          <a:lstStyle/>
+          <a:p>
+            <a:r>
+              <a:rPr lang="en-NZ" dirty="0"/>
+              <a:t>Raw Signal</a:t>
+            </a:r>
+          </a:p>
+        </p:txBody>
+      </p:sp>
+      <p:sp>
+        <p:nvSpPr>
+          <p:cNvPr id="26" name="TextBox 25">
+            <a:extLst>
+              <a:ext uri="{FF2B5EF4-FFF2-40B4-BE49-F238E27FC236}">
+                <a16:creationId xmlns:a16="http://schemas.microsoft.com/office/drawing/2014/main" id="{51D3B442-6E6A-4FBC-B31C-8007A16FC520}"/>
+              </a:ext>
+            </a:extLst>
+          </p:cNvPr>
+          <p:cNvSpPr txBox="1"/>
+          <p:nvPr/>
+        </p:nvSpPr>
+        <p:spPr>
+          <a:xfrm>
+            <a:off x="8160886" y="5725009"/>
+            <a:ext cx="1751857" cy="369332"/>
+          </a:xfrm>
+          <a:prstGeom prst="rect">
+            <a:avLst/>
+          </a:prstGeom>
+          <a:noFill/>
+        </p:spPr>
+        <p:txBody>
+          <a:bodyPr wrap="square">
+            <a:spAutoFit/>
+          </a:bodyPr>
+          <a:lstStyle/>
+          <a:p>
+            <a:r>
+              <a:rPr lang="en-NZ" dirty="0"/>
+              <a:t>Processed Signal</a:t>
+            </a:r>
+          </a:p>
+        </p:txBody>
+      </p:sp>
     </p:spTree>
     <p:extLst>
       <p:ext uri="{BB962C8B-B14F-4D97-AF65-F5344CB8AC3E}">
@@ -3844,24 +3851,24 @@
         </p:nvSpPr>
         <p:spPr>
           <a:xfrm>
-            <a:off x="546351" y="433545"/>
+            <a:off x="546351" y="658746"/>
             <a:ext cx="11139854" cy="930447"/>
           </a:xfrm>
         </p:spPr>
         <p:txBody>
           <a:bodyPr vert="horz" lIns="91440" tIns="45720" rIns="91440" bIns="45720" rtlCol="0" anchor="b">
-            <a:normAutofit/>
+            <a:normAutofit fontScale="90000"/>
           </a:bodyPr>
           <a:lstStyle/>
           <a:p>
             <a:pPr algn="ctr"/>
             <a:r>
-              <a:rPr lang="en-US" sz="5400">
+              <a:rPr lang="en-US" sz="5400" dirty="0">
                 <a:solidFill>
                   <a:srgbClr val="FFFFFF"/>
                 </a:solidFill>
               </a:rPr>
-              <a:t>EZCR VAD</a:t>
+              <a:t>Energy Zero Crossing Voice Activation Detection Segmentation</a:t>
             </a:r>
           </a:p>
         </p:txBody>
@@ -4048,6 +4055,14 @@
 <file path=ppt/slides/slide3.xml><?xml version="1.0" encoding="utf-8"?>
 <p:sld xmlns:a="http://schemas.openxmlformats.org/drawingml/2006/main" xmlns:r="http://schemas.openxmlformats.org/officeDocument/2006/relationships" xmlns:p="http://schemas.openxmlformats.org/presentationml/2006/main">
   <p:cSld>
+    <p:bg>
+      <p:bgPr>
+        <a:solidFill>
+          <a:schemeClr val="bg1"/>
+        </a:solidFill>
+        <a:effectLst/>
+      </p:bgPr>
+    </p:bg>
     <p:spTree>
       <p:nvGrpSpPr>
         <p:cNvPr id="1" name=""/>
@@ -4064,6 +4079,71 @@
       </p:grpSpPr>
       <p:sp>
         <p:nvSpPr>
+          <p:cNvPr id="14" name="Rectangle 13">
+            <a:extLst>
+              <a:ext uri="{FF2B5EF4-FFF2-40B4-BE49-F238E27FC236}">
+                <a16:creationId xmlns:a16="http://schemas.microsoft.com/office/drawing/2014/main" id="{823AC064-BC96-4F32-8AE1-B2FD38754823}"/>
+              </a:ext>
+              <a:ext uri="{C183D7F6-B498-43B3-948B-1728B52AA6E4}">
+                <adec:decorative xmlns:adec="http://schemas.microsoft.com/office/drawing/2017/decorative" val="1"/>
+              </a:ext>
+            </a:extLst>
+          </p:cNvPr>
+          <p:cNvSpPr>
+            <a:spLocks noGrp="1" noRot="1" noChangeAspect="1" noMove="1" noResize="1" noEditPoints="1" noAdjustHandles="1" noChangeArrowheads="1" noChangeShapeType="1" noTextEdit="1"/>
+          </p:cNvSpPr>
+          <p:nvPr>
+            <p:extLst>
+              <p:ext uri="{386F3935-93C4-4BCD-93E2-E3B085C9AB24}">
+                <p16:designElem xmlns:p16="http://schemas.microsoft.com/office/powerpoint/2015/main" val="1"/>
+              </p:ext>
+            </p:extLst>
+          </p:nvPr>
+        </p:nvSpPr>
+        <p:spPr bwMode="ltGray">
+          <a:xfrm>
+            <a:off x="396882" y="280374"/>
+            <a:ext cx="11438793" cy="1844256"/>
+          </a:xfrm>
+          <a:prstGeom prst="rect">
+            <a:avLst/>
+          </a:prstGeom>
+          <a:solidFill>
+            <a:srgbClr val="404040"/>
+          </a:solidFill>
+          <a:ln w="127000" cap="sq" cmpd="thinThick">
+            <a:solidFill>
+              <a:srgbClr val="404040"/>
+            </a:solidFill>
+          </a:ln>
+        </p:spPr>
+        <p:style>
+          <a:lnRef idx="2">
+            <a:schemeClr val="accent1">
+              <a:shade val="50000"/>
+            </a:schemeClr>
+          </a:lnRef>
+          <a:fillRef idx="1">
+            <a:schemeClr val="accent1"/>
+          </a:fillRef>
+          <a:effectRef idx="0">
+            <a:schemeClr val="accent1"/>
+          </a:effectRef>
+          <a:fontRef idx="minor">
+            <a:schemeClr val="lt1"/>
+          </a:fontRef>
+        </p:style>
+        <p:txBody>
+          <a:bodyPr rtlCol="0" anchor="ctr"/>
+          <a:lstStyle/>
+          <a:p>
+            <a:pPr algn="ctr"/>
+            <a:endParaRPr lang="en-US"/>
+          </a:p>
+        </p:txBody>
+      </p:sp>
+      <p:sp>
+        <p:nvSpPr>
           <p:cNvPr id="2" name="Title 1">
             <a:extLst>
               <a:ext uri="{FF2B5EF4-FFF2-40B4-BE49-F238E27FC236}">
@@ -4078,15 +4158,79 @@
             <p:ph type="title"/>
           </p:nvPr>
         </p:nvSpPr>
-        <p:spPr/>
-        <p:txBody>
-          <a:bodyPr/>
-          <a:lstStyle/>
-          <a:p>
-            <a:endParaRPr lang="en-NZ"/>
-          </a:p>
-        </p:txBody>
-      </p:sp>
+        <p:spPr>
+          <a:xfrm>
+            <a:off x="546351" y="433545"/>
+            <a:ext cx="11139854" cy="930447"/>
+          </a:xfrm>
+        </p:spPr>
+        <p:txBody>
+          <a:bodyPr vert="horz" lIns="91440" tIns="45720" rIns="91440" bIns="45720" rtlCol="0" anchor="b">
+            <a:normAutofit/>
+          </a:bodyPr>
+          <a:lstStyle/>
+          <a:p>
+            <a:pPr algn="ctr"/>
+            <a:endParaRPr lang="en-US" sz="5400">
+              <a:solidFill>
+                <a:srgbClr val="FFFFFF"/>
+              </a:solidFill>
+            </a:endParaRPr>
+          </a:p>
+        </p:txBody>
+      </p:sp>
+      <p:cxnSp>
+        <p:nvCxnSpPr>
+          <p:cNvPr id="16" name="Straight Connector 15">
+            <a:extLst>
+              <a:ext uri="{FF2B5EF4-FFF2-40B4-BE49-F238E27FC236}">
+                <a16:creationId xmlns:a16="http://schemas.microsoft.com/office/drawing/2014/main" id="{7E7C77BC-7138-40B1-A15B-20F57A494629}"/>
+              </a:ext>
+              <a:ext uri="{C183D7F6-B498-43B3-948B-1728B52AA6E4}">
+                <adec:decorative xmlns:adec="http://schemas.microsoft.com/office/drawing/2017/decorative" val="1"/>
+              </a:ext>
+            </a:extLst>
+          </p:cNvPr>
+          <p:cNvCxnSpPr>
+            <a:cxnSpLocks noGrp="1" noRot="1" noChangeAspect="1" noMove="1" noResize="1" noEditPoints="1" noAdjustHandles="1" noChangeArrowheads="1" noChangeShapeType="1"/>
+          </p:cNvCxnSpPr>
+          <p:nvPr>
+            <p:extLst>
+              <p:ext uri="{386F3935-93C4-4BCD-93E2-E3B085C9AB24}">
+                <p16:designElem xmlns:p16="http://schemas.microsoft.com/office/powerpoint/2015/main" val="1"/>
+              </p:ext>
+            </p:extLst>
+          </p:nvPr>
+        </p:nvCxnSpPr>
+        <p:spPr>
+          <a:xfrm>
+            <a:off x="2230078" y="1522292"/>
+            <a:ext cx="7772400" cy="0"/>
+          </a:xfrm>
+          <a:prstGeom prst="line">
+            <a:avLst/>
+          </a:prstGeom>
+          <a:ln w="22225">
+            <a:solidFill>
+              <a:srgbClr val="D9D9D9"/>
+            </a:solidFill>
+          </a:ln>
+        </p:spPr>
+        <p:style>
+          <a:lnRef idx="1">
+            <a:schemeClr val="accent1"/>
+          </a:lnRef>
+          <a:fillRef idx="0">
+            <a:schemeClr val="accent1"/>
+          </a:fillRef>
+          <a:effectRef idx="0">
+            <a:schemeClr val="accent1"/>
+          </a:effectRef>
+          <a:fontRef idx="minor">
+            <a:schemeClr val="tx1"/>
+          </a:fontRef>
+        </p:style>
+      </p:cxnSp>
       <p:pic>
         <p:nvPicPr>
           <p:cNvPr id="7" name="Content Placeholder 6" descr="A picture containing application&#10;&#10;Description automatically generated">
@@ -4117,11 +4261,66 @@
         </p:blipFill>
         <p:spPr>
           <a:xfrm>
-            <a:off x="283335" y="1482054"/>
-            <a:ext cx="11347359" cy="2210524"/>
+            <a:off x="331567" y="3893684"/>
+            <a:ext cx="5455917" cy="1063904"/>
           </a:xfrm>
+          <a:prstGeom prst="rect">
+            <a:avLst/>
+          </a:prstGeom>
         </p:spPr>
       </p:pic>
+      <p:cxnSp>
+        <p:nvCxnSpPr>
+          <p:cNvPr id="18" name="Straight Connector 17">
+            <a:extLst>
+              <a:ext uri="{FF2B5EF4-FFF2-40B4-BE49-F238E27FC236}">
+                <a16:creationId xmlns:a16="http://schemas.microsoft.com/office/drawing/2014/main" id="{DB146403-F3D6-484B-B2ED-97F9565D0370}"/>
+              </a:ext>
+              <a:ext uri="{C183D7F6-B498-43B3-948B-1728B52AA6E4}">
+                <adec:decorative xmlns:adec="http://schemas.microsoft.com/office/drawing/2017/decorative" val="1"/>
+              </a:ext>
+            </a:extLst>
+          </p:cNvPr>
+          <p:cNvCxnSpPr>
+            <a:cxnSpLocks noGrp="1" noRot="1" noChangeAspect="1" noMove="1" noResize="1" noEditPoints="1" noAdjustHandles="1" noChangeArrowheads="1" noChangeShapeType="1"/>
+          </p:cNvCxnSpPr>
+          <p:nvPr>
+            <p:extLst>
+              <p:ext uri="{386F3935-93C4-4BCD-93E2-E3B085C9AB24}">
+                <p16:designElem xmlns:p16="http://schemas.microsoft.com/office/powerpoint/2015/main" val="1"/>
+              </p:ext>
+            </p:extLst>
+          </p:nvPr>
+        </p:nvCxnSpPr>
+        <p:spPr>
+          <a:xfrm>
+            <a:off x="6116278" y="2596836"/>
+            <a:ext cx="0" cy="3657600"/>
+          </a:xfrm>
+          <a:prstGeom prst="line">
+            <a:avLst/>
+          </a:prstGeom>
+          <a:ln w="101600" cmpd="dbl">
+            <a:solidFill>
+              <a:srgbClr val="595959"/>
+            </a:solidFill>
+          </a:ln>
+        </p:spPr>
+        <p:style>
+          <a:lnRef idx="1">
+            <a:schemeClr val="accent1"/>
+          </a:lnRef>
+          <a:fillRef idx="0">
+            <a:schemeClr val="accent1"/>
+          </a:fillRef>
+          <a:effectRef idx="0">
+            <a:schemeClr val="accent1"/>
+          </a:effectRef>
+          <a:fontRef idx="minor">
+            <a:schemeClr val="tx1"/>
+          </a:fontRef>
+        </p:style>
+      </p:cxnSp>
       <p:pic>
         <p:nvPicPr>
           <p:cNvPr id="9" name="Picture 8" descr="A picture containing logo&#10;&#10;Description automatically generated">
@@ -4150,8 +4349,8 @@
         </p:blipFill>
         <p:spPr>
           <a:xfrm>
-            <a:off x="283335" y="3787182"/>
-            <a:ext cx="11496541" cy="2239586"/>
+            <a:off x="6445073" y="3893684"/>
+            <a:ext cx="5455917" cy="1063904"/>
           </a:xfrm>
           <a:prstGeom prst="rect">
             <a:avLst/>
@@ -4174,6 +4373,14 @@
 <file path=ppt/slides/slide4.xml><?xml version="1.0" encoding="utf-8"?>
 <p:sld xmlns:a="http://schemas.openxmlformats.org/drawingml/2006/main" xmlns:r="http://schemas.openxmlformats.org/officeDocument/2006/relationships" xmlns:p="http://schemas.openxmlformats.org/presentationml/2006/main">
   <p:cSld>
+    <p:bg>
+      <p:bgPr>
+        <a:solidFill>
+          <a:schemeClr val="bg1"/>
+        </a:solidFill>
+        <a:effectLst/>
+      </p:bgPr>
+    </p:bg>
     <p:spTree>
       <p:nvGrpSpPr>
         <p:cNvPr id="1" name=""/>
@@ -4190,6 +4397,75 @@
       </p:grpSpPr>
       <p:sp>
         <p:nvSpPr>
+          <p:cNvPr id="1031" name="Rectangle 1030">
+            <a:extLst>
+              <a:ext uri="{FF2B5EF4-FFF2-40B4-BE49-F238E27FC236}">
+                <a16:creationId xmlns:a16="http://schemas.microsoft.com/office/drawing/2014/main" id="{AB45A142-4255-493C-8284-5D566C121B10}"/>
+              </a:ext>
+              <a:ext uri="{C183D7F6-B498-43B3-948B-1728B52AA6E4}">
+                <adec:decorative xmlns:adec="http://schemas.microsoft.com/office/drawing/2017/decorative" val="1"/>
+              </a:ext>
+            </a:extLst>
+          </p:cNvPr>
+          <p:cNvSpPr>
+            <a:spLocks noGrp="1" noRot="1" noChangeAspect="1" noMove="1" noResize="1" noEditPoints="1" noAdjustHandles="1" noChangeArrowheads="1" noChangeShapeType="1" noTextEdit="1"/>
+          </p:cNvSpPr>
+          <p:nvPr>
+            <p:extLst>
+              <p:ext uri="{386F3935-93C4-4BCD-93E2-E3B085C9AB24}">
+                <p16:designElem xmlns:p16="http://schemas.microsoft.com/office/powerpoint/2015/main" val="1"/>
+              </p:ext>
+            </p:extLst>
+          </p:nvPr>
+        </p:nvSpPr>
+        <p:spPr bwMode="ltGray">
+          <a:xfrm>
+            <a:off x="336884" y="321177"/>
+            <a:ext cx="4332307" cy="6179552"/>
+          </a:xfrm>
+          <a:prstGeom prst="rect">
+            <a:avLst/>
+          </a:prstGeom>
+          <a:solidFill>
+            <a:srgbClr val="404040">
+              <a:alpha val="89804"/>
+            </a:srgbClr>
+          </a:solidFill>
+          <a:ln w="127000" cap="sq" cmpd="thinThick">
+            <a:solidFill>
+              <a:srgbClr val="595959">
+                <a:alpha val="80000"/>
+              </a:srgbClr>
+            </a:solidFill>
+          </a:ln>
+        </p:spPr>
+        <p:style>
+          <a:lnRef idx="2">
+            <a:schemeClr val="accent1">
+              <a:shade val="50000"/>
+            </a:schemeClr>
+          </a:lnRef>
+          <a:fillRef idx="1">
+            <a:schemeClr val="accent1"/>
+          </a:fillRef>
+          <a:effectRef idx="0">
+            <a:schemeClr val="accent1"/>
+          </a:effectRef>
+          <a:fontRef idx="minor">
+            <a:schemeClr val="lt1"/>
+          </a:fontRef>
+        </p:style>
+        <p:txBody>
+          <a:bodyPr rtlCol="0" anchor="ctr"/>
+          <a:lstStyle/>
+          <a:p>
+            <a:pPr algn="ctr"/>
+            <a:endParaRPr lang="en-US"/>
+          </a:p>
+        </p:txBody>
+      </p:sp>
+      <p:sp>
+        <p:nvSpPr>
           <p:cNvPr id="2" name="Title 1">
             <a:extLst>
               <a:ext uri="{FF2B5EF4-FFF2-40B4-BE49-F238E27FC236}">
@@ -4204,15 +4480,85 @@
             <p:ph type="title"/>
           </p:nvPr>
         </p:nvSpPr>
-        <p:spPr/>
-        <p:txBody>
-          <a:bodyPr/>
-          <a:lstStyle/>
-          <a:p>
-            <a:endParaRPr lang="en-NZ"/>
-          </a:p>
-        </p:txBody>
-      </p:sp>
+        <p:spPr>
+          <a:xfrm>
+            <a:off x="674237" y="914400"/>
+            <a:ext cx="3657600" cy="2887579"/>
+          </a:xfrm>
+        </p:spPr>
+        <p:txBody>
+          <a:bodyPr vert="horz" lIns="91440" tIns="45720" rIns="91440" bIns="45720" rtlCol="0" anchor="b">
+            <a:normAutofit/>
+          </a:bodyPr>
+          <a:lstStyle/>
+          <a:p>
+            <a:pPr algn="ctr"/>
+            <a:r>
+              <a:rPr lang="en-US" sz="4800" kern="1200">
+                <a:solidFill>
+                  <a:srgbClr val="FFFFFF"/>
+                </a:solidFill>
+                <a:latin typeface="+mj-lt"/>
+                <a:ea typeface="+mj-ea"/>
+                <a:cs typeface="+mj-cs"/>
+              </a:rPr>
+              <a:t>VAD Segmentation</a:t>
+            </a:r>
+          </a:p>
+        </p:txBody>
+      </p:sp>
+      <p:cxnSp>
+        <p:nvCxnSpPr>
+          <p:cNvPr id="1033" name="Straight Connector 1032">
+            <a:extLst>
+              <a:ext uri="{FF2B5EF4-FFF2-40B4-BE49-F238E27FC236}">
+                <a16:creationId xmlns:a16="http://schemas.microsoft.com/office/drawing/2014/main" id="{38FB9660-F42F-4313-BBC4-47C007FE484C}"/>
+              </a:ext>
+              <a:ext uri="{C183D7F6-B498-43B3-948B-1728B52AA6E4}">
+                <adec:decorative xmlns:adec="http://schemas.microsoft.com/office/drawing/2017/decorative" val="1"/>
+              </a:ext>
+            </a:extLst>
+          </p:cNvPr>
+          <p:cNvCxnSpPr>
+            <a:cxnSpLocks noGrp="1" noRot="1" noChangeAspect="1" noMove="1" noResize="1" noEditPoints="1" noAdjustHandles="1" noChangeArrowheads="1" noChangeShapeType="1"/>
+          </p:cNvCxnSpPr>
+          <p:nvPr>
+            <p:extLst>
+              <p:ext uri="{386F3935-93C4-4BCD-93E2-E3B085C9AB24}">
+                <p16:designElem xmlns:p16="http://schemas.microsoft.com/office/powerpoint/2015/main" val="1"/>
+              </p:ext>
+            </p:extLst>
+          </p:nvPr>
+        </p:nvCxnSpPr>
+        <p:spPr>
+          <a:xfrm>
+            <a:off x="1191126" y="3910267"/>
+            <a:ext cx="2586790" cy="0"/>
+          </a:xfrm>
+          <a:prstGeom prst="line">
+            <a:avLst/>
+          </a:prstGeom>
+          <a:ln w="22225">
+            <a:solidFill>
+              <a:srgbClr val="D9D9D9"/>
+            </a:solidFill>
+          </a:ln>
+        </p:spPr>
+        <p:style>
+          <a:lnRef idx="1">
+            <a:schemeClr val="accent1"/>
+          </a:lnRef>
+          <a:fillRef idx="0">
+            <a:schemeClr val="accent1"/>
+          </a:fillRef>
+          <a:effectRef idx="0">
+            <a:schemeClr val="accent1"/>
+          </a:effectRef>
+          <a:fontRef idx="minor">
+            <a:schemeClr val="tx1"/>
+          </a:fontRef>
+        </p:style>
+      </p:cxnSp>
       <p:pic>
         <p:nvPicPr>
           <p:cNvPr id="1026" name="Picture 2">
@@ -4237,15 +4583,14 @@
               </a:ext>
             </a:extLst>
           </a:blip>
-          <a:srcRect/>
           <a:stretch>
             <a:fillRect/>
           </a:stretch>
         </p:blipFill>
         <p:spPr bwMode="auto">
           <a:xfrm>
-            <a:off x="3020095" y="2593610"/>
-            <a:ext cx="5407249" cy="3528941"/>
+            <a:off x="5153822" y="1294446"/>
+            <a:ext cx="6553545" cy="4277050"/>
           </a:xfrm>
           <a:prstGeom prst="rect">
             <a:avLst/>

--- a/Bigeye Vocalisation.pptx
+++ b/Bigeye Vocalisation.pptx
@@ -6,11 +6,12 @@
   </p:sldMasterIdLst>
   <p:sldIdLst>
     <p:sldId id="256" r:id="rId2"/>
-    <p:sldId id="257" r:id="rId3"/>
-    <p:sldId id="260" r:id="rId4"/>
-    <p:sldId id="261" r:id="rId5"/>
-    <p:sldId id="258" r:id="rId6"/>
-    <p:sldId id="259" r:id="rId7"/>
+    <p:sldId id="262" r:id="rId3"/>
+    <p:sldId id="257" r:id="rId4"/>
+    <p:sldId id="260" r:id="rId5"/>
+    <p:sldId id="261" r:id="rId6"/>
+    <p:sldId id="258" r:id="rId7"/>
+    <p:sldId id="259" r:id="rId8"/>
   </p:sldIdLst>
   <p:sldSz cx="12192000" cy="6858000"/>
   <p:notesSz cx="6858000" cy="9144000"/>
@@ -3355,12 +3356,12 @@
           <a:chExt cx="0" cy="0"/>
         </a:xfrm>
       </p:grpSpPr>
-      <p:sp>
-        <p:nvSpPr>
-          <p:cNvPr id="21" name="Rectangle 20">
-            <a:extLst>
-              <a:ext uri="{FF2B5EF4-FFF2-40B4-BE49-F238E27FC236}">
-                <a16:creationId xmlns:a16="http://schemas.microsoft.com/office/drawing/2014/main" id="{823AC064-BC96-4F32-8AE1-B2FD38754823}"/>
+      <p:sp useBgFill="1">
+        <p:nvSpPr>
+          <p:cNvPr id="1042" name="Rectangle 1030">
+            <a:extLst>
+              <a:ext uri="{FF2B5EF4-FFF2-40B4-BE49-F238E27FC236}">
+                <a16:creationId xmlns:a16="http://schemas.microsoft.com/office/drawing/2014/main" id="{0671A8AE-40A1-4631-A6B8-581AFF065482}"/>
               </a:ext>
               <a:ext uri="{C183D7F6-B498-43B3-948B-1728B52AA6E4}">
                 <adec:decorative xmlns:adec="http://schemas.microsoft.com/office/drawing/2017/decorative" val="1"/>
@@ -3378,21 +3379,16 @@
             </p:extLst>
           </p:nvPr>
         </p:nvSpPr>
-        <p:spPr bwMode="ltGray">
-          <a:xfrm>
-            <a:off x="396882" y="280374"/>
-            <a:ext cx="11438793" cy="1844256"/>
+        <p:spPr>
+          <a:xfrm>
+            <a:off x="0" y="0"/>
+            <a:ext cx="12192000" cy="6858000"/>
           </a:xfrm>
           <a:prstGeom prst="rect">
             <a:avLst/>
           </a:prstGeom>
-          <a:solidFill>
-            <a:srgbClr val="404040"/>
-          </a:solidFill>
-          <a:ln w="127000" cap="sq" cmpd="thinThick">
-            <a:solidFill>
-              <a:srgbClr val="404040"/>
-            </a:solidFill>
+          <a:ln>
+            <a:noFill/>
           </a:ln>
         </p:spPr>
         <p:style>
@@ -3420,99 +3416,66 @@
           </a:p>
         </p:txBody>
       </p:sp>
-      <p:sp>
-        <p:nvSpPr>
-          <p:cNvPr id="2" name="Title 1">
-            <a:extLst>
-              <a:ext uri="{FF2B5EF4-FFF2-40B4-BE49-F238E27FC236}">
-                <a16:creationId xmlns:a16="http://schemas.microsoft.com/office/drawing/2014/main" id="{319C6D08-6E87-41FF-9230-F0FC045E3817}"/>
-              </a:ext>
-            </a:extLst>
-          </p:cNvPr>
-          <p:cNvSpPr>
-            <a:spLocks noGrp="1"/>
-          </p:cNvSpPr>
-          <p:nvPr>
-            <p:ph type="ctrTitle"/>
-          </p:nvPr>
-        </p:nvSpPr>
-        <p:spPr>
-          <a:xfrm>
-            <a:off x="546351" y="433545"/>
-            <a:ext cx="11139854" cy="930447"/>
-          </a:xfrm>
-        </p:spPr>
-        <p:txBody>
-          <a:bodyPr>
-            <a:normAutofit/>
-          </a:bodyPr>
-          <a:lstStyle/>
-          <a:p>
-            <a:r>
-              <a:rPr lang="en-NZ" sz="5400" dirty="0">
+      <p:pic>
+        <p:nvPicPr>
+          <p:cNvPr id="1026" name="Picture 2">
+            <a:extLst>
+              <a:ext uri="{FF2B5EF4-FFF2-40B4-BE49-F238E27FC236}">
+                <a16:creationId xmlns:a16="http://schemas.microsoft.com/office/drawing/2014/main" id="{819D85D4-58EF-4C3E-9894-8F1A9606A0D4}"/>
+              </a:ext>
+            </a:extLst>
+          </p:cNvPr>
+          <p:cNvPicPr>
+            <a:picLocks noChangeAspect="1" noChangeArrowheads="1"/>
+          </p:cNvPicPr>
+          <p:nvPr/>
+        </p:nvPicPr>
+        <p:blipFill rotWithShape="1">
+          <a:blip r:embed="rId2">
+            <a:extLst>
+              <a:ext uri="{28A0092B-C50C-407E-A947-70E740481C1C}">
+                <a14:useLocalDpi xmlns:a14="http://schemas.microsoft.com/office/drawing/2010/main" val="0"/>
+              </a:ext>
+            </a:extLst>
+          </a:blip>
+          <a:srcRect l="11688" t="2422" r="11688" b="6421"/>
+          <a:stretch/>
+        </p:blipFill>
+        <p:spPr bwMode="auto">
+          <a:xfrm>
+            <a:off x="3523488" y="10"/>
+            <a:ext cx="8668512" cy="6857990"/>
+          </a:xfrm>
+          <a:prstGeom prst="rect">
+            <a:avLst/>
+          </a:prstGeom>
+          <a:noFill/>
+          <a:extLst>
+            <a:ext uri="{909E8E84-426E-40DD-AFC4-6F175D3DCCD1}">
+              <a14:hiddenFill xmlns:a14="http://schemas.microsoft.com/office/drawing/2010/main">
                 <a:solidFill>
                   <a:srgbClr val="FFFFFF"/>
                 </a:solidFill>
-              </a:rPr>
-              <a:t>Signal Processing</a:t>
-            </a:r>
-          </a:p>
-        </p:txBody>
-      </p:sp>
-      <p:sp>
-        <p:nvSpPr>
-          <p:cNvPr id="3" name="Subtitle 2">
-            <a:extLst>
-              <a:ext uri="{FF2B5EF4-FFF2-40B4-BE49-F238E27FC236}">
-                <a16:creationId xmlns:a16="http://schemas.microsoft.com/office/drawing/2014/main" id="{8A4B7E61-3AAB-40C3-824D-9F95F0D943E1}"/>
-              </a:ext>
-            </a:extLst>
-          </p:cNvPr>
-          <p:cNvSpPr>
-            <a:spLocks noGrp="1"/>
-          </p:cNvSpPr>
-          <p:nvPr>
-            <p:ph type="subTitle" idx="1"/>
-          </p:nvPr>
-        </p:nvSpPr>
-        <p:spPr>
-          <a:xfrm>
-            <a:off x="1544278" y="1645723"/>
-            <a:ext cx="9144000" cy="420001"/>
-          </a:xfrm>
-        </p:spPr>
-        <p:txBody>
-          <a:bodyPr>
-            <a:normAutofit/>
-          </a:bodyPr>
-          <a:lstStyle/>
-          <a:p>
-            <a:r>
-              <a:rPr lang="en-NZ" sz="2000" dirty="0">
-                <a:solidFill>
-                  <a:schemeClr val="bg1"/>
-                </a:solidFill>
-              </a:rPr>
-              <a:t>Audacity</a:t>
-            </a:r>
-          </a:p>
-        </p:txBody>
-      </p:sp>
-      <p:cxnSp>
-        <p:nvCxnSpPr>
-          <p:cNvPr id="23" name="Straight Connector 22">
-            <a:extLst>
-              <a:ext uri="{FF2B5EF4-FFF2-40B4-BE49-F238E27FC236}">
-                <a16:creationId xmlns:a16="http://schemas.microsoft.com/office/drawing/2014/main" id="{7E7C77BC-7138-40B1-A15B-20F57A494629}"/>
+              </a14:hiddenFill>
+            </a:ext>
+          </a:extLst>
+        </p:spPr>
+      </p:pic>
+      <p:sp>
+        <p:nvSpPr>
+          <p:cNvPr id="1043" name="Rectangle 1032">
+            <a:extLst>
+              <a:ext uri="{FF2B5EF4-FFF2-40B4-BE49-F238E27FC236}">
+                <a16:creationId xmlns:a16="http://schemas.microsoft.com/office/drawing/2014/main" id="{AB58EF07-17C2-48CF-ABB0-EEF1F17CB8F0}"/>
               </a:ext>
               <a:ext uri="{C183D7F6-B498-43B3-948B-1728B52AA6E4}">
                 <adec:decorative xmlns:adec="http://schemas.microsoft.com/office/drawing/2017/decorative" val="1"/>
               </a:ext>
             </a:extLst>
           </p:cNvPr>
-          <p:cNvCxnSpPr>
-            <a:cxnSpLocks noGrp="1" noRot="1" noChangeAspect="1" noMove="1" noResize="1" noEditPoints="1" noAdjustHandles="1" noChangeArrowheads="1" noChangeShapeType="1"/>
-          </p:cNvCxnSpPr>
+          <p:cNvSpPr>
+            <a:spLocks noGrp="1" noRot="1" noChangeAspect="1" noMove="1" noResize="1" noEditPoints="1" noAdjustHandles="1" noChangeArrowheads="1" noChangeShapeType="1" noTextEdit="1"/>
+          </p:cNvSpPr>
           <p:nvPr>
             <p:extLst>
               <p:ext uri="{386F3935-93C4-4BCD-93E2-E3B085C9AB24}">
@@ -3520,80 +3483,154 @@
               </p:ext>
             </p:extLst>
           </p:nvPr>
-        </p:nvCxnSpPr>
+        </p:nvSpPr>
         <p:spPr>
           <a:xfrm>
-            <a:off x="2230078" y="1522292"/>
-            <a:ext cx="7772400" cy="0"/>
-          </a:xfrm>
-          <a:prstGeom prst="line">
+            <a:off x="3" y="0"/>
+            <a:ext cx="9339206" cy="6858000"/>
+          </a:xfrm>
+          <a:prstGeom prst="rect">
             <a:avLst/>
           </a:prstGeom>
-          <a:ln w="22225">
-            <a:solidFill>
-              <a:srgbClr val="D9D9D9"/>
-            </a:solidFill>
+          <a:gradFill>
+            <a:gsLst>
+              <a:gs pos="58000">
+                <a:schemeClr val="bg1"/>
+              </a:gs>
+              <a:gs pos="33000">
+                <a:schemeClr val="bg1">
+                  <a:alpha val="64000"/>
+                </a:schemeClr>
+              </a:gs>
+              <a:gs pos="0">
+                <a:schemeClr val="bg1">
+                  <a:alpha val="0"/>
+                </a:schemeClr>
+              </a:gs>
+              <a:gs pos="100000">
+                <a:schemeClr val="bg1"/>
+              </a:gs>
+            </a:gsLst>
+            <a:lin ang="10800000" scaled="0"/>
+          </a:gradFill>
+          <a:ln>
+            <a:noFill/>
           </a:ln>
         </p:spPr>
         <p:style>
-          <a:lnRef idx="1">
-            <a:schemeClr val="accent1"/>
+          <a:lnRef idx="2">
+            <a:schemeClr val="accent1">
+              <a:shade val="50000"/>
+            </a:schemeClr>
           </a:lnRef>
-          <a:fillRef idx="0">
+          <a:fillRef idx="1">
             <a:schemeClr val="accent1"/>
           </a:fillRef>
           <a:effectRef idx="0">
             <a:schemeClr val="accent1"/>
           </a:effectRef>
           <a:fontRef idx="minor">
-            <a:schemeClr val="tx1"/>
+            <a:schemeClr val="lt1"/>
           </a:fontRef>
         </p:style>
-      </p:cxnSp>
-      <p:pic>
-        <p:nvPicPr>
-          <p:cNvPr id="7" name="Picture 6">
-            <a:extLst>
-              <a:ext uri="{FF2B5EF4-FFF2-40B4-BE49-F238E27FC236}">
-                <a16:creationId xmlns:a16="http://schemas.microsoft.com/office/drawing/2014/main" id="{57813C48-3D5F-4D9C-9DDC-5721C468DF59}"/>
-              </a:ext>
-            </a:extLst>
-          </p:cNvPr>
-          <p:cNvPicPr>
-            <a:picLocks noChangeAspect="1"/>
-          </p:cNvPicPr>
-          <p:nvPr/>
-        </p:nvPicPr>
-        <p:blipFill rotWithShape="1">
-          <a:blip r:embed="rId2"/>
-          <a:srcRect r="24285"/>
-          <a:stretch/>
-        </p:blipFill>
+        <p:txBody>
+          <a:bodyPr rtlCol="0" anchor="ctr"/>
+          <a:lstStyle/>
+          <a:p>
+            <a:pPr algn="ctr"/>
+            <a:endParaRPr lang="en-US" dirty="0"/>
+          </a:p>
+        </p:txBody>
+      </p:sp>
+      <p:sp>
+        <p:nvSpPr>
+          <p:cNvPr id="2" name="Title 1">
+            <a:extLst>
+              <a:ext uri="{FF2B5EF4-FFF2-40B4-BE49-F238E27FC236}">
+                <a16:creationId xmlns:a16="http://schemas.microsoft.com/office/drawing/2014/main" id="{238C6106-F15C-47D0-BEB2-53BDEF3E417A}"/>
+              </a:ext>
+            </a:extLst>
+          </p:cNvPr>
+          <p:cNvSpPr>
+            <a:spLocks noGrp="1"/>
+          </p:cNvSpPr>
+          <p:nvPr>
+            <p:ph type="ctrTitle"/>
+          </p:nvPr>
+        </p:nvSpPr>
         <p:spPr>
           <a:xfrm>
-            <a:off x="6237287" y="2843215"/>
-            <a:ext cx="5599057" cy="2347875"/>
-          </a:xfrm>
-          <a:prstGeom prst="rect">
-            <a:avLst/>
-          </a:prstGeom>
-        </p:spPr>
-      </p:pic>
-      <p:cxnSp>
-        <p:nvCxnSpPr>
-          <p:cNvPr id="25" name="Straight Connector 24">
-            <a:extLst>
-              <a:ext uri="{FF2B5EF4-FFF2-40B4-BE49-F238E27FC236}">
-                <a16:creationId xmlns:a16="http://schemas.microsoft.com/office/drawing/2014/main" id="{DB146403-F3D6-484B-B2ED-97F9565D0370}"/>
+            <a:off x="477981" y="1122363"/>
+            <a:ext cx="4023360" cy="3204134"/>
+          </a:xfrm>
+        </p:spPr>
+        <p:txBody>
+          <a:bodyPr anchor="b">
+            <a:normAutofit/>
+          </a:bodyPr>
+          <a:lstStyle/>
+          <a:p>
+            <a:pPr algn="l"/>
+            <a:r>
+              <a:rPr lang="en-NZ" sz="4100">
+                <a:latin typeface="+mj-lt"/>
+              </a:rPr>
+              <a:t>Intelligent Detection of New Zealand Bigeye Vocalisation Signals</a:t>
+            </a:r>
+          </a:p>
+        </p:txBody>
+      </p:sp>
+      <p:sp>
+        <p:nvSpPr>
+          <p:cNvPr id="3" name="Subtitle 2">
+            <a:extLst>
+              <a:ext uri="{FF2B5EF4-FFF2-40B4-BE49-F238E27FC236}">
+                <a16:creationId xmlns:a16="http://schemas.microsoft.com/office/drawing/2014/main" id="{D67A61AF-08C4-41F9-B3F5-6B3756EFFED4}"/>
+              </a:ext>
+            </a:extLst>
+          </p:cNvPr>
+          <p:cNvSpPr>
+            <a:spLocks noGrp="1"/>
+          </p:cNvSpPr>
+          <p:nvPr>
+            <p:ph type="subTitle" idx="1"/>
+          </p:nvPr>
+        </p:nvSpPr>
+        <p:spPr>
+          <a:xfrm>
+            <a:off x="477980" y="4872922"/>
+            <a:ext cx="4023359" cy="1208141"/>
+          </a:xfrm>
+        </p:spPr>
+        <p:txBody>
+          <a:bodyPr>
+            <a:normAutofit/>
+          </a:bodyPr>
+          <a:lstStyle/>
+          <a:p>
+            <a:pPr algn="l"/>
+            <a:r>
+              <a:rPr lang="en-NZ" sz="2000"/>
+              <a:t>Isabella Finan-Jenkin | Vishnu Koilkandadai</a:t>
+            </a:r>
+          </a:p>
+        </p:txBody>
+      </p:sp>
+      <p:sp>
+        <p:nvSpPr>
+          <p:cNvPr id="1035" name="Rectangle 1034">
+            <a:extLst>
+              <a:ext uri="{FF2B5EF4-FFF2-40B4-BE49-F238E27FC236}">
+                <a16:creationId xmlns:a16="http://schemas.microsoft.com/office/drawing/2014/main" id="{AF2F604E-43BE-4DC3-B983-E071523364F8}"/>
               </a:ext>
               <a:ext uri="{C183D7F6-B498-43B3-948B-1728B52AA6E4}">
                 <adec:decorative xmlns:adec="http://schemas.microsoft.com/office/drawing/2017/decorative" val="1"/>
               </a:ext>
             </a:extLst>
           </p:cNvPr>
-          <p:cNvCxnSpPr>
-            <a:cxnSpLocks noGrp="1" noRot="1" noChangeAspect="1" noMove="1" noResize="1" noEditPoints="1" noAdjustHandles="1" noChangeArrowheads="1" noChangeShapeType="1"/>
-          </p:cNvCxnSpPr>
+          <p:cNvSpPr>
+            <a:spLocks noGrp="1" noRot="1" noChangeAspect="1" noMove="1" noResize="1" noEditPoints="1" noAdjustHandles="1" noChangeArrowheads="1" noChangeShapeType="1" noTextEdit="1"/>
+          </p:cNvSpPr>
           <p:nvPr>
             <p:extLst>
               <p:ext uri="{386F3935-93C4-4BCD-93E2-E3B085C9AB24}">
@@ -3601,71 +3638,151 @@
               </p:ext>
             </p:extLst>
           </p:nvPr>
-        </p:nvCxnSpPr>
+        </p:nvSpPr>
         <p:spPr>
-          <a:xfrm>
-            <a:off x="6116278" y="2596836"/>
-            <a:ext cx="0" cy="3657600"/>
-          </a:xfrm>
-          <a:prstGeom prst="line">
+          <a:xfrm rot="5400000">
+            <a:off x="759921" y="346791"/>
+            <a:ext cx="146304" cy="704088"/>
+          </a:xfrm>
+          <a:prstGeom prst="rect">
             <a:avLst/>
           </a:prstGeom>
-          <a:ln w="101600" cmpd="dbl">
-            <a:solidFill>
-              <a:srgbClr val="595959"/>
-            </a:solidFill>
+          <a:solidFill>
+            <a:schemeClr val="accent2"/>
+          </a:solidFill>
+          <a:ln>
+            <a:noFill/>
           </a:ln>
         </p:spPr>
         <p:style>
-          <a:lnRef idx="1">
-            <a:schemeClr val="accent1"/>
+          <a:lnRef idx="2">
+            <a:schemeClr val="accent1">
+              <a:shade val="50000"/>
+            </a:schemeClr>
           </a:lnRef>
-          <a:fillRef idx="0">
+          <a:fillRef idx="1">
             <a:schemeClr val="accent1"/>
           </a:fillRef>
           <a:effectRef idx="0">
             <a:schemeClr val="accent1"/>
           </a:effectRef>
           <a:fontRef idx="minor">
-            <a:schemeClr val="tx1"/>
+            <a:schemeClr val="lt1"/>
           </a:fontRef>
         </p:style>
-      </p:cxnSp>
-      <p:pic>
-        <p:nvPicPr>
-          <p:cNvPr id="13" name="Picture 12">
-            <a:extLst>
-              <a:ext uri="{FF2B5EF4-FFF2-40B4-BE49-F238E27FC236}">
-                <a16:creationId xmlns:a16="http://schemas.microsoft.com/office/drawing/2014/main" id="{59DD9940-9C9F-4992-810B-A58032E7D8B3}"/>
-              </a:ext>
-            </a:extLst>
-          </p:cNvPr>
-          <p:cNvPicPr>
-            <a:picLocks noChangeAspect="1"/>
-          </p:cNvPicPr>
-          <p:nvPr/>
-        </p:nvPicPr>
-        <p:blipFill rotWithShape="1">
-          <a:blip r:embed="rId3"/>
-          <a:srcRect r="24229"/>
-          <a:stretch/>
-        </p:blipFill>
+        <p:txBody>
+          <a:bodyPr rtlCol="0" anchor="ctr"/>
+          <a:lstStyle/>
+          <a:p>
+            <a:pPr algn="ctr"/>
+            <a:endParaRPr lang="en-US">
+              <a:solidFill>
+                <a:prstClr val="white"/>
+              </a:solidFill>
+              <a:latin typeface="Calibri" panose="020F0502020204030204"/>
+            </a:endParaRPr>
+          </a:p>
+        </p:txBody>
+      </p:sp>
+      <p:sp>
+        <p:nvSpPr>
+          <p:cNvPr id="1037" name="Rectangle 1036">
+            <a:extLst>
+              <a:ext uri="{FF2B5EF4-FFF2-40B4-BE49-F238E27FC236}">
+                <a16:creationId xmlns:a16="http://schemas.microsoft.com/office/drawing/2014/main" id="{08C9B587-E65E-4B52-B37C-ABEBB6E87928}"/>
+              </a:ext>
+              <a:ext uri="{C183D7F6-B498-43B3-948B-1728B52AA6E4}">
+                <adec:decorative xmlns:adec="http://schemas.microsoft.com/office/drawing/2017/decorative" val="1"/>
+              </a:ext>
+            </a:extLst>
+          </p:cNvPr>
+          <p:cNvSpPr>
+            <a:spLocks noGrp="1" noRot="1" noChangeAspect="1" noMove="1" noResize="1" noEditPoints="1" noAdjustHandles="1" noChangeArrowheads="1" noChangeShapeType="1" noTextEdit="1"/>
+          </p:cNvSpPr>
+          <p:nvPr>
+            <p:extLst>
+              <p:ext uri="{386F3935-93C4-4BCD-93E2-E3B085C9AB24}">
+                <p16:designElem xmlns:p16="http://schemas.microsoft.com/office/powerpoint/2015/main" val="1"/>
+              </p:ext>
+            </p:extLst>
+          </p:nvPr>
+        </p:nvSpPr>
         <p:spPr>
           <a:xfrm>
-            <a:off x="396882" y="2767460"/>
-            <a:ext cx="5598388" cy="2499386"/>
+            <a:off x="481029" y="4546920"/>
+            <a:ext cx="3977640" cy="18288"/>
           </a:xfrm>
           <a:prstGeom prst="rect">
             <a:avLst/>
           </a:prstGeom>
-        </p:spPr>
-      </p:pic>
-      <p:sp>
-        <p:nvSpPr>
-          <p:cNvPr id="15" name="TextBox 14">
-            <a:extLst>
-              <a:ext uri="{FF2B5EF4-FFF2-40B4-BE49-F238E27FC236}">
-                <a16:creationId xmlns:a16="http://schemas.microsoft.com/office/drawing/2014/main" id="{92D638D9-689E-48A3-9604-9F855906177D}"/>
+          <a:solidFill>
+            <a:schemeClr val="tx1"/>
+          </a:solidFill>
+          <a:ln w="3175">
+            <a:noFill/>
+          </a:ln>
+          <a:effectLst/>
+        </p:spPr>
+        <p:style>
+          <a:lnRef idx="2">
+            <a:schemeClr val="accent1">
+              <a:shade val="50000"/>
+            </a:schemeClr>
+          </a:lnRef>
+          <a:fillRef idx="1">
+            <a:schemeClr val="accent1"/>
+          </a:fillRef>
+          <a:effectRef idx="0">
+            <a:schemeClr val="accent1"/>
+          </a:effectRef>
+          <a:fontRef idx="minor">
+            <a:schemeClr val="lt1"/>
+          </a:fontRef>
+        </p:style>
+        <p:txBody>
+          <a:bodyPr rtlCol="0" anchor="ctr"/>
+          <a:lstStyle/>
+          <a:p>
+            <a:pPr marL="0" marR="0" lvl="0" indent="0" algn="ctr" defTabSz="914400" rtl="0" eaLnBrk="1" fontAlgn="auto" latinLnBrk="0" hangingPunct="1">
+              <a:lnSpc>
+                <a:spcPct val="100000"/>
+              </a:lnSpc>
+              <a:spcBef>
+                <a:spcPts val="0"/>
+              </a:spcBef>
+              <a:spcAft>
+                <a:spcPts val="0"/>
+              </a:spcAft>
+              <a:buClrTx/>
+              <a:buSzTx/>
+              <a:buFontTx/>
+              <a:buNone/>
+              <a:tabLst/>
+              <a:defRPr/>
+            </a:pPr>
+            <a:endParaRPr kumimoji="0" lang="en-US" sz="1800" b="0" i="0" u="none" strike="noStrike" kern="1200" cap="none" spc="0" normalizeH="0" baseline="0" noProof="0">
+              <a:ln>
+                <a:noFill/>
+              </a:ln>
+              <a:solidFill>
+                <a:prstClr val="white"/>
+              </a:solidFill>
+              <a:effectLst/>
+              <a:uLnTx/>
+              <a:uFillTx/>
+              <a:latin typeface="Calibri" panose="020F0502020204030204"/>
+              <a:ea typeface="+mn-ea"/>
+              <a:cs typeface="+mn-cs"/>
+            </a:endParaRPr>
+          </a:p>
+        </p:txBody>
+      </p:sp>
+      <p:sp>
+        <p:nvSpPr>
+          <p:cNvPr id="8" name="TextBox 7">
+            <a:extLst>
+              <a:ext uri="{FF2B5EF4-FFF2-40B4-BE49-F238E27FC236}">
+                <a16:creationId xmlns:a16="http://schemas.microsoft.com/office/drawing/2014/main" id="{94D58B31-A5D9-452F-9D70-61C74CB9DF04}"/>
               </a:ext>
             </a:extLst>
           </p:cNvPr>
@@ -3674,72 +3791,222 @@
         </p:nvSpPr>
         <p:spPr>
           <a:xfrm>
-            <a:off x="2596987" y="5725009"/>
-            <a:ext cx="1198178" cy="369332"/>
+            <a:off x="3523488" y="6172201"/>
+            <a:ext cx="8668512" cy="685799"/>
           </a:xfrm>
           <a:prstGeom prst="rect">
             <a:avLst/>
           </a:prstGeom>
-          <a:noFill/>
-        </p:spPr>
-        <p:txBody>
-          <a:bodyPr wrap="square" rtlCol="0">
-            <a:spAutoFit/>
+          <a:solidFill>
+            <a:srgbClr val="000000">
+              <a:alpha val="50000"/>
+            </a:srgbClr>
+          </a:solidFill>
+          <a:ln>
+            <a:noFill/>
+          </a:ln>
+        </p:spPr>
+        <p:txBody>
+          <a:bodyPr wrap="square">
+            <a:noAutofit/>
           </a:bodyPr>
           <a:lstStyle/>
           <a:p>
-            <a:r>
-              <a:rPr lang="en-NZ" dirty="0"/>
-              <a:t>Raw Signal</a:t>
-            </a:r>
-          </a:p>
-        </p:txBody>
-      </p:sp>
-      <p:sp>
-        <p:nvSpPr>
-          <p:cNvPr id="26" name="TextBox 25">
-            <a:extLst>
-              <a:ext uri="{FF2B5EF4-FFF2-40B4-BE49-F238E27FC236}">
-                <a16:creationId xmlns:a16="http://schemas.microsoft.com/office/drawing/2014/main" id="{51D3B442-6E6A-4FBC-B31C-8007A16FC520}"/>
-              </a:ext>
-            </a:extLst>
-          </p:cNvPr>
-          <p:cNvSpPr txBox="1"/>
-          <p:nvPr/>
-        </p:nvSpPr>
-        <p:spPr>
-          <a:xfrm>
-            <a:off x="8160886" y="5725009"/>
-            <a:ext cx="1751857" cy="369332"/>
-          </a:xfrm>
-          <a:prstGeom prst="rect">
-            <a:avLst/>
-          </a:prstGeom>
-          <a:noFill/>
-        </p:spPr>
-        <p:txBody>
-          <a:bodyPr wrap="square">
-            <a:spAutoFit/>
-          </a:bodyPr>
-          <a:lstStyle/>
-          <a:p>
-            <a:r>
-              <a:rPr lang="en-NZ" dirty="0"/>
-              <a:t>Processed Signal</a:t>
-            </a:r>
+            <a:pPr algn="ctr" rtl="0">
+              <a:spcBef>
+                <a:spcPts val="0"/>
+              </a:spcBef>
+              <a:spcAft>
+                <a:spcPts val="1600"/>
+              </a:spcAft>
+            </a:pPr>
+            <a:r>
+              <a:rPr lang="en-GB" sz="1300" b="0" i="1" u="none" strike="noStrike">
+                <a:solidFill>
+                  <a:srgbClr val="FFFFFF"/>
+                </a:solidFill>
+                <a:effectLst/>
+              </a:rPr>
+              <a:t>Pempheris Adspersa, Adult, Poor Knights Is, New Zealand, Photo: Andrew Green</a:t>
+            </a:r>
+            <a:endParaRPr lang="en-GB" sz="1300" b="0">
+              <a:solidFill>
+                <a:srgbClr val="FFFFFF"/>
+              </a:solidFill>
+              <a:effectLst/>
+            </a:endParaRPr>
+          </a:p>
+          <a:p>
+            <a:pPr algn="ctr"/>
+            <a:br>
+              <a:rPr lang="en-GB" sz="1300">
+                <a:solidFill>
+                  <a:srgbClr val="FFFFFF"/>
+                </a:solidFill>
+              </a:rPr>
+            </a:br>
+            <a:endParaRPr lang="en-NZ" sz="1300">
+              <a:solidFill>
+                <a:srgbClr val="FFFFFF"/>
+              </a:solidFill>
+            </a:endParaRPr>
           </a:p>
         </p:txBody>
       </p:sp>
     </p:spTree>
     <p:extLst>
       <p:ext uri="{BB962C8B-B14F-4D97-AF65-F5344CB8AC3E}">
-        <p14:creationId xmlns:p14="http://schemas.microsoft.com/office/powerpoint/2010/main" val="1988009066"/>
+        <p14:creationId xmlns:p14="http://schemas.microsoft.com/office/powerpoint/2010/main" val="3731584517"/>
       </p:ext>
     </p:extLst>
   </p:cSld>
   <p:clrMapOvr>
-    <a:masterClrMapping/>
+    <a:overrideClrMapping bg1="dk1" tx1="lt1" bg2="dk2" tx2="lt2" accent1="accent1" accent2="accent2" accent3="accent3" accent4="accent4" accent5="accent5" accent6="accent6" hlink="hlink" folHlink="folHlink"/>
   </p:clrMapOvr>
+  <p:timing>
+    <p:tnLst>
+      <p:par>
+        <p:cTn id="1" dur="indefinite" restart="never" nodeType="tmRoot">
+          <p:childTnLst>
+            <p:seq concurrent="1" nextAc="seek">
+              <p:cTn id="2" dur="indefinite" nodeType="mainSeq">
+                <p:childTnLst>
+                  <p:par>
+                    <p:cTn id="3" fill="hold">
+                      <p:stCondLst>
+                        <p:cond delay="indefinite"/>
+                        <p:cond evt="onBegin" delay="0">
+                          <p:tn val="2"/>
+                        </p:cond>
+                      </p:stCondLst>
+                      <p:childTnLst>
+                        <p:par>
+                          <p:cTn id="4" fill="hold">
+                            <p:stCondLst>
+                              <p:cond delay="0"/>
+                            </p:stCondLst>
+                            <p:childTnLst>
+                              <p:par>
+                                <p:cTn id="5" presetID="10" presetClass="entr" presetSubtype="0" fill="hold" grpId="0" nodeType="withEffect">
+                                  <p:stCondLst>
+                                    <p:cond delay="1500"/>
+                                  </p:stCondLst>
+                                  <p:iterate>
+                                    <p:tmPct val="10000"/>
+                                  </p:iterate>
+                                  <p:childTnLst>
+                                    <p:set>
+                                      <p:cBhvr>
+                                        <p:cTn id="6" dur="1" fill="hold">
+                                          <p:stCondLst>
+                                            <p:cond delay="0"/>
+                                          </p:stCondLst>
+                                        </p:cTn>
+                                        <p:tgtEl>
+                                          <p:spTgt spid="3">
+                                            <p:txEl>
+                                              <p:pRg st="0" end="0"/>
+                                            </p:txEl>
+                                          </p:spTgt>
+                                        </p:tgtEl>
+                                        <p:attrNameLst>
+                                          <p:attrName>style.visibility</p:attrName>
+                                        </p:attrNameLst>
+                                      </p:cBhvr>
+                                      <p:to>
+                                        <p:strVal val="visible"/>
+                                      </p:to>
+                                    </p:set>
+                                    <p:animEffect transition="in" filter="fade">
+                                      <p:cBhvr>
+                                        <p:cTn id="7" dur="700"/>
+                                        <p:tgtEl>
+                                          <p:spTgt spid="3">
+                                            <p:txEl>
+                                              <p:pRg st="0" end="0"/>
+                                            </p:txEl>
+                                          </p:spTgt>
+                                        </p:tgtEl>
+                                      </p:cBhvr>
+                                    </p:animEffect>
+                                  </p:childTnLst>
+                                </p:cTn>
+                              </p:par>
+                              <p:par>
+                                <p:cTn id="8" presetID="10" presetClass="entr" presetSubtype="0" fill="hold" grpId="0" nodeType="withEffect" nodePh="1">
+                                  <p:stCondLst>
+                                    <p:cond delay="1000"/>
+                                  </p:stCondLst>
+                                  <p:endCondLst>
+                                    <p:cond evt="begin" delay="0">
+                                      <p:tn val="8"/>
+                                    </p:cond>
+                                  </p:endCondLst>
+                                  <p:iterate>
+                                    <p:tmPct val="10000"/>
+                                  </p:iterate>
+                                  <p:childTnLst>
+                                    <p:set>
+                                      <p:cBhvr>
+                                        <p:cTn id="9" dur="1" fill="hold">
+                                          <p:stCondLst>
+                                            <p:cond delay="0"/>
+                                          </p:stCondLst>
+                                        </p:cTn>
+                                        <p:tgtEl>
+                                          <p:spTgt spid="2"/>
+                                        </p:tgtEl>
+                                        <p:attrNameLst>
+                                          <p:attrName>style.visibility</p:attrName>
+                                        </p:attrNameLst>
+                                      </p:cBhvr>
+                                      <p:to>
+                                        <p:strVal val="visible"/>
+                                      </p:to>
+                                    </p:set>
+                                    <p:animEffect transition="in" filter="fade">
+                                      <p:cBhvr>
+                                        <p:cTn id="10" dur="700"/>
+                                        <p:tgtEl>
+                                          <p:spTgt spid="2"/>
+                                        </p:tgtEl>
+                                      </p:cBhvr>
+                                    </p:animEffect>
+                                  </p:childTnLst>
+                                </p:cTn>
+                              </p:par>
+                            </p:childTnLst>
+                          </p:cTn>
+                        </p:par>
+                      </p:childTnLst>
+                    </p:cTn>
+                  </p:par>
+                </p:childTnLst>
+              </p:cTn>
+              <p:prevCondLst>
+                <p:cond evt="onPrev" delay="0">
+                  <p:tgtEl>
+                    <p:sldTgt/>
+                  </p:tgtEl>
+                </p:cond>
+              </p:prevCondLst>
+              <p:nextCondLst>
+                <p:cond evt="onNext" delay="0">
+                  <p:tgtEl>
+                    <p:sldTgt/>
+                  </p:tgtEl>
+                </p:cond>
+              </p:nextCondLst>
+            </p:seq>
+          </p:childTnLst>
+        </p:cTn>
+      </p:par>
+    </p:tnLst>
+    <p:bldLst>
+      <p:bldP spid="2" grpId="0"/>
+      <p:bldP spid="3" grpId="0" build="p"/>
+    </p:bldLst>
+  </p:timing>
 </p:sld>
 </file>
 
@@ -3770,7 +4037,7 @@
       </p:grpSpPr>
       <p:sp>
         <p:nvSpPr>
-          <p:cNvPr id="12" name="Rectangle 11">
+          <p:cNvPr id="21" name="Rectangle 20">
             <a:extLst>
               <a:ext uri="{FF2B5EF4-FFF2-40B4-BE49-F238E27FC236}">
                 <a16:creationId xmlns:a16="http://schemas.microsoft.com/office/drawing/2014/main" id="{823AC064-BC96-4F32-8AE1-B2FD38754823}"/>
@@ -3838,44 +4105,92 @@
           <p:cNvPr id="2" name="Title 1">
             <a:extLst>
               <a:ext uri="{FF2B5EF4-FFF2-40B4-BE49-F238E27FC236}">
-                <a16:creationId xmlns:a16="http://schemas.microsoft.com/office/drawing/2014/main" id="{2A6C9832-A174-4654-A499-42505412F4D3}"/>
-              </a:ext>
-            </a:extLst>
-          </p:cNvPr>
-          <p:cNvSpPr>
-            <a:spLocks noGrp="1"/>
-          </p:cNvSpPr>
-          <p:nvPr>
-            <p:ph type="title"/>
+                <a16:creationId xmlns:a16="http://schemas.microsoft.com/office/drawing/2014/main" id="{319C6D08-6E87-41FF-9230-F0FC045E3817}"/>
+              </a:ext>
+            </a:extLst>
+          </p:cNvPr>
+          <p:cNvSpPr>
+            <a:spLocks noGrp="1"/>
+          </p:cNvSpPr>
+          <p:nvPr>
+            <p:ph type="ctrTitle"/>
           </p:nvPr>
         </p:nvSpPr>
         <p:spPr>
           <a:xfrm>
-            <a:off x="546351" y="658746"/>
+            <a:off x="546351" y="433545"/>
             <a:ext cx="11139854" cy="930447"/>
           </a:xfrm>
         </p:spPr>
         <p:txBody>
-          <a:bodyPr vert="horz" lIns="91440" tIns="45720" rIns="91440" bIns="45720" rtlCol="0" anchor="b">
-            <a:normAutofit fontScale="90000"/>
+          <a:bodyPr>
+            <a:normAutofit/>
           </a:bodyPr>
           <a:lstStyle/>
           <a:p>
-            <a:pPr algn="ctr"/>
-            <a:r>
-              <a:rPr lang="en-US" sz="5400" dirty="0">
+            <a:r>
+              <a:rPr lang="en-NZ" sz="5400">
                 <a:solidFill>
                   <a:srgbClr val="FFFFFF"/>
                 </a:solidFill>
               </a:rPr>
-              <a:t>Energy Zero Crossing Voice Activation Detection Segmentation</a:t>
-            </a:r>
+              <a:t>Signal Processing</a:t>
+            </a:r>
+            <a:endParaRPr lang="en-NZ" sz="5400" dirty="0">
+              <a:solidFill>
+                <a:srgbClr val="FFFFFF"/>
+              </a:solidFill>
+            </a:endParaRPr>
+          </a:p>
+        </p:txBody>
+      </p:sp>
+      <p:sp>
+        <p:nvSpPr>
+          <p:cNvPr id="3" name="Subtitle 2">
+            <a:extLst>
+              <a:ext uri="{FF2B5EF4-FFF2-40B4-BE49-F238E27FC236}">
+                <a16:creationId xmlns:a16="http://schemas.microsoft.com/office/drawing/2014/main" id="{8A4B7E61-3AAB-40C3-824D-9F95F0D943E1}"/>
+              </a:ext>
+            </a:extLst>
+          </p:cNvPr>
+          <p:cNvSpPr>
+            <a:spLocks noGrp="1"/>
+          </p:cNvSpPr>
+          <p:nvPr>
+            <p:ph type="subTitle" idx="1"/>
+          </p:nvPr>
+        </p:nvSpPr>
+        <p:spPr>
+          <a:xfrm>
+            <a:off x="1544278" y="1645723"/>
+            <a:ext cx="9144000" cy="420001"/>
+          </a:xfrm>
+        </p:spPr>
+        <p:txBody>
+          <a:bodyPr>
+            <a:normAutofit/>
+          </a:bodyPr>
+          <a:lstStyle/>
+          <a:p>
+            <a:r>
+              <a:rPr lang="en-NZ" sz="2000">
+                <a:solidFill>
+                  <a:schemeClr val="bg1"/>
+                </a:solidFill>
+              </a:rPr>
+              <a:t>Audacity</a:t>
+            </a:r>
+            <a:endParaRPr lang="en-NZ" sz="2000" dirty="0">
+              <a:solidFill>
+                <a:schemeClr val="bg1"/>
+              </a:solidFill>
+            </a:endParaRPr>
           </a:p>
         </p:txBody>
       </p:sp>
       <p:cxnSp>
         <p:nvCxnSpPr>
-          <p:cNvPr id="14" name="Straight Connector 13">
+          <p:cNvPr id="23" name="Straight Connector 22">
             <a:extLst>
               <a:ext uri="{FF2B5EF4-FFF2-40B4-BE49-F238E27FC236}">
                 <a16:creationId xmlns:a16="http://schemas.microsoft.com/office/drawing/2014/main" id="{7E7C77BC-7138-40B1-A15B-20F57A494629}"/>
@@ -3930,7 +4245,7 @@
           <p:cNvPr id="7" name="Picture 6">
             <a:extLst>
               <a:ext uri="{FF2B5EF4-FFF2-40B4-BE49-F238E27FC236}">
-                <a16:creationId xmlns:a16="http://schemas.microsoft.com/office/drawing/2014/main" id="{77F40CED-41A3-4913-8399-C43FF00A0C66}"/>
+                <a16:creationId xmlns:a16="http://schemas.microsoft.com/office/drawing/2014/main" id="{57813C48-3D5F-4D9C-9DDC-5721C468DF59}"/>
               </a:ext>
             </a:extLst>
           </p:cNvPr>
@@ -3939,16 +4254,15 @@
           </p:cNvPicPr>
           <p:nvPr/>
         </p:nvPicPr>
-        <p:blipFill>
+        <p:blipFill rotWithShape="1">
           <a:blip r:embed="rId2"/>
-          <a:stretch>
-            <a:fillRect/>
-          </a:stretch>
+          <a:srcRect t="1126" r="26846" b="-1"/>
+          <a:stretch/>
         </p:blipFill>
         <p:spPr>
           <a:xfrm>
-            <a:off x="396882" y="3429000"/>
-            <a:ext cx="5455917" cy="1541295"/>
+            <a:off x="6186377" y="2709658"/>
+            <a:ext cx="5958985" cy="2557188"/>
           </a:xfrm>
           <a:prstGeom prst="rect">
             <a:avLst/>
@@ -3957,7 +4271,7 @@
       </p:pic>
       <p:cxnSp>
         <p:nvCxnSpPr>
-          <p:cNvPr id="16" name="Straight Connector 15">
+          <p:cNvPr id="25" name="Straight Connector 24">
             <a:extLst>
               <a:ext uri="{FF2B5EF4-FFF2-40B4-BE49-F238E27FC236}">
                 <a16:creationId xmlns:a16="http://schemas.microsoft.com/office/drawing/2014/main" id="{DB146403-F3D6-484B-B2ED-97F9565D0370}"/>
@@ -4009,40 +4323,108 @@
       </p:cxnSp>
       <p:pic>
         <p:nvPicPr>
-          <p:cNvPr id="5" name="Content Placeholder 4">
-            <a:extLst>
-              <a:ext uri="{FF2B5EF4-FFF2-40B4-BE49-F238E27FC236}">
-                <a16:creationId xmlns:a16="http://schemas.microsoft.com/office/drawing/2014/main" id="{D8198118-F267-4A77-A431-E003643E2BF1}"/>
+          <p:cNvPr id="13" name="Picture 12">
+            <a:extLst>
+              <a:ext uri="{FF2B5EF4-FFF2-40B4-BE49-F238E27FC236}">
+                <a16:creationId xmlns:a16="http://schemas.microsoft.com/office/drawing/2014/main" id="{59DD9940-9C9F-4992-810B-A58032E7D8B3}"/>
               </a:ext>
             </a:extLst>
           </p:cNvPr>
           <p:cNvPicPr>
-            <a:picLocks noGrp="1" noChangeAspect="1"/>
+            <a:picLocks noChangeAspect="1"/>
           </p:cNvPicPr>
-          <p:nvPr>
-            <p:ph idx="1"/>
-          </p:nvPr>
+          <p:nvPr/>
         </p:nvPicPr>
-        <p:blipFill>
+        <p:blipFill rotWithShape="1">
           <a:blip r:embed="rId3"/>
-          <a:stretch>
-            <a:fillRect/>
-          </a:stretch>
+          <a:srcRect t="442" r="24229"/>
+          <a:stretch/>
         </p:blipFill>
         <p:spPr>
           <a:xfrm>
-            <a:off x="6464391" y="3749534"/>
-            <a:ext cx="5455917" cy="900225"/>
+            <a:off x="140065" y="2664372"/>
+            <a:ext cx="5855205" cy="2602474"/>
           </a:xfrm>
           <a:prstGeom prst="rect">
             <a:avLst/>
           </a:prstGeom>
         </p:spPr>
       </p:pic>
+      <p:sp>
+        <p:nvSpPr>
+          <p:cNvPr id="15" name="TextBox 14">
+            <a:extLst>
+              <a:ext uri="{FF2B5EF4-FFF2-40B4-BE49-F238E27FC236}">
+                <a16:creationId xmlns:a16="http://schemas.microsoft.com/office/drawing/2014/main" id="{92D638D9-689E-48A3-9604-9F855906177D}"/>
+              </a:ext>
+            </a:extLst>
+          </p:cNvPr>
+          <p:cNvSpPr txBox="1"/>
+          <p:nvPr/>
+        </p:nvSpPr>
+        <p:spPr>
+          <a:xfrm>
+            <a:off x="2596987" y="5725009"/>
+            <a:ext cx="1198178" cy="369332"/>
+          </a:xfrm>
+          <a:prstGeom prst="rect">
+            <a:avLst/>
+          </a:prstGeom>
+          <a:noFill/>
+        </p:spPr>
+        <p:txBody>
+          <a:bodyPr wrap="square" rtlCol="0">
+            <a:spAutoFit/>
+          </a:bodyPr>
+          <a:lstStyle/>
+          <a:p>
+            <a:r>
+              <a:rPr lang="en-NZ" dirty="0"/>
+              <a:t>Raw Signal</a:t>
+            </a:r>
+          </a:p>
+        </p:txBody>
+      </p:sp>
+      <p:sp>
+        <p:nvSpPr>
+          <p:cNvPr id="26" name="TextBox 25">
+            <a:extLst>
+              <a:ext uri="{FF2B5EF4-FFF2-40B4-BE49-F238E27FC236}">
+                <a16:creationId xmlns:a16="http://schemas.microsoft.com/office/drawing/2014/main" id="{51D3B442-6E6A-4FBC-B31C-8007A16FC520}"/>
+              </a:ext>
+            </a:extLst>
+          </p:cNvPr>
+          <p:cNvSpPr txBox="1"/>
+          <p:nvPr/>
+        </p:nvSpPr>
+        <p:spPr>
+          <a:xfrm>
+            <a:off x="8160886" y="5725009"/>
+            <a:ext cx="1751857" cy="369332"/>
+          </a:xfrm>
+          <a:prstGeom prst="rect">
+            <a:avLst/>
+          </a:prstGeom>
+          <a:noFill/>
+        </p:spPr>
+        <p:txBody>
+          <a:bodyPr wrap="square">
+            <a:spAutoFit/>
+          </a:bodyPr>
+          <a:lstStyle/>
+          <a:p>
+            <a:r>
+              <a:rPr lang="en-NZ"/>
+              <a:t>Processed Signal</a:t>
+            </a:r>
+            <a:endParaRPr lang="en-NZ" dirty="0"/>
+          </a:p>
+        </p:txBody>
+      </p:sp>
     </p:spTree>
     <p:extLst>
       <p:ext uri="{BB962C8B-B14F-4D97-AF65-F5344CB8AC3E}">
-        <p14:creationId xmlns:p14="http://schemas.microsoft.com/office/powerpoint/2010/main" val="2738839803"/>
+        <p14:creationId xmlns:p14="http://schemas.microsoft.com/office/powerpoint/2010/main" val="3647927941"/>
       </p:ext>
     </p:extLst>
   </p:cSld>
@@ -4079,7 +4461,7 @@
       </p:grpSpPr>
       <p:sp>
         <p:nvSpPr>
-          <p:cNvPr id="14" name="Rectangle 13">
+          <p:cNvPr id="12" name="Rectangle 11">
             <a:extLst>
               <a:ext uri="{FF2B5EF4-FFF2-40B4-BE49-F238E27FC236}">
                 <a16:creationId xmlns:a16="http://schemas.microsoft.com/office/drawing/2014/main" id="{823AC064-BC96-4F32-8AE1-B2FD38754823}"/>
@@ -4147,7 +4529,7 @@
           <p:cNvPr id="2" name="Title 1">
             <a:extLst>
               <a:ext uri="{FF2B5EF4-FFF2-40B4-BE49-F238E27FC236}">
-                <a16:creationId xmlns:a16="http://schemas.microsoft.com/office/drawing/2014/main" id="{52708CEB-27EF-4AF6-BD48-86E5E6E8B264}"/>
+                <a16:creationId xmlns:a16="http://schemas.microsoft.com/office/drawing/2014/main" id="{2A6C9832-A174-4654-A499-42505412F4D3}"/>
               </a:ext>
             </a:extLst>
           </p:cNvPr>
@@ -4160,28 +4542,31 @@
         </p:nvSpPr>
         <p:spPr>
           <a:xfrm>
-            <a:off x="546351" y="433545"/>
+            <a:off x="526073" y="377264"/>
             <a:ext cx="11139854" cy="930447"/>
           </a:xfrm>
         </p:spPr>
         <p:txBody>
           <a:bodyPr vert="horz" lIns="91440" tIns="45720" rIns="91440" bIns="45720" rtlCol="0" anchor="b">
-            <a:normAutofit/>
+            <a:noAutofit/>
           </a:bodyPr>
           <a:lstStyle/>
           <a:p>
             <a:pPr algn="ctr"/>
-            <a:endParaRPr lang="en-US" sz="5400">
-              <a:solidFill>
-                <a:srgbClr val="FFFFFF"/>
-              </a:solidFill>
-            </a:endParaRPr>
+            <a:r>
+              <a:rPr lang="en-US" sz="4850" dirty="0">
+                <a:solidFill>
+                  <a:srgbClr val="FFFFFF"/>
+                </a:solidFill>
+              </a:rPr>
+              <a:t>Energy Zero Crossing Calculations</a:t>
+            </a:r>
           </a:p>
         </p:txBody>
       </p:sp>
       <p:cxnSp>
         <p:nvCxnSpPr>
-          <p:cNvPr id="16" name="Straight Connector 15">
+          <p:cNvPr id="14" name="Straight Connector 13">
             <a:extLst>
               <a:ext uri="{FF2B5EF4-FFF2-40B4-BE49-F238E27FC236}">
                 <a16:creationId xmlns:a16="http://schemas.microsoft.com/office/drawing/2014/main" id="{7E7C77BC-7138-40B1-A15B-20F57A494629}"/>
@@ -4233,36 +4618,28 @@
       </p:cxnSp>
       <p:pic>
         <p:nvPicPr>
-          <p:cNvPr id="7" name="Content Placeholder 6" descr="A picture containing application&#10;&#10;Description automatically generated">
-            <a:extLst>
-              <a:ext uri="{FF2B5EF4-FFF2-40B4-BE49-F238E27FC236}">
-                <a16:creationId xmlns:a16="http://schemas.microsoft.com/office/drawing/2014/main" id="{D441FBBF-36D5-493F-A61E-3CDB76B5CA1D}"/>
+          <p:cNvPr id="7" name="Picture 6">
+            <a:extLst>
+              <a:ext uri="{FF2B5EF4-FFF2-40B4-BE49-F238E27FC236}">
+                <a16:creationId xmlns:a16="http://schemas.microsoft.com/office/drawing/2014/main" id="{77F40CED-41A3-4913-8399-C43FF00A0C66}"/>
               </a:ext>
             </a:extLst>
           </p:cNvPr>
           <p:cNvPicPr>
-            <a:picLocks noGrp="1" noChangeAspect="1"/>
+            <a:picLocks noChangeAspect="1"/>
           </p:cNvPicPr>
-          <p:nvPr>
-            <p:ph idx="1"/>
-          </p:nvPr>
+          <p:nvPr/>
         </p:nvPicPr>
         <p:blipFill>
-          <a:blip r:embed="rId2">
-            <a:extLst>
-              <a:ext uri="{28A0092B-C50C-407E-A947-70E740481C1C}">
-                <a14:useLocalDpi xmlns:a14="http://schemas.microsoft.com/office/drawing/2010/main" val="0"/>
-              </a:ext>
-            </a:extLst>
-          </a:blip>
+          <a:blip r:embed="rId2"/>
           <a:stretch>
             <a:fillRect/>
           </a:stretch>
         </p:blipFill>
         <p:spPr>
           <a:xfrm>
-            <a:off x="331567" y="3893684"/>
-            <a:ext cx="5455917" cy="1063904"/>
+            <a:off x="1184426" y="3553426"/>
+            <a:ext cx="3880826" cy="1096333"/>
           </a:xfrm>
           <a:prstGeom prst="rect">
             <a:avLst/>
@@ -4271,7 +4648,7 @@
       </p:pic>
       <p:cxnSp>
         <p:nvCxnSpPr>
-          <p:cNvPr id="18" name="Straight Connector 17">
+          <p:cNvPr id="16" name="Straight Connector 15">
             <a:extLst>
               <a:ext uri="{FF2B5EF4-FFF2-40B4-BE49-F238E27FC236}">
                 <a16:creationId xmlns:a16="http://schemas.microsoft.com/office/drawing/2014/main" id="{DB146403-F3D6-484B-B2ED-97F9565D0370}"/>
@@ -4323,44 +4700,109 @@
       </p:cxnSp>
       <p:pic>
         <p:nvPicPr>
-          <p:cNvPr id="9" name="Picture 8" descr="A picture containing logo&#10;&#10;Description automatically generated">
-            <a:extLst>
-              <a:ext uri="{FF2B5EF4-FFF2-40B4-BE49-F238E27FC236}">
-                <a16:creationId xmlns:a16="http://schemas.microsoft.com/office/drawing/2014/main" id="{7CE971DA-7C8D-4907-AE04-914B798FD35D}"/>
+          <p:cNvPr id="5" name="Content Placeholder 4">
+            <a:extLst>
+              <a:ext uri="{FF2B5EF4-FFF2-40B4-BE49-F238E27FC236}">
+                <a16:creationId xmlns:a16="http://schemas.microsoft.com/office/drawing/2014/main" id="{D8198118-F267-4A77-A431-E003643E2BF1}"/>
               </a:ext>
             </a:extLst>
           </p:cNvPr>
           <p:cNvPicPr>
-            <a:picLocks noChangeAspect="1"/>
+            <a:picLocks noGrp="1" noChangeAspect="1"/>
           </p:cNvPicPr>
-          <p:nvPr/>
+          <p:nvPr>
+            <p:ph idx="1"/>
+          </p:nvPr>
         </p:nvPicPr>
-        <p:blipFill>
-          <a:blip r:embed="rId3">
-            <a:extLst>
-              <a:ext uri="{28A0092B-C50C-407E-A947-70E740481C1C}">
-                <a14:useLocalDpi xmlns:a14="http://schemas.microsoft.com/office/drawing/2010/main" val="0"/>
-              </a:ext>
-            </a:extLst>
-          </a:blip>
-          <a:stretch>
-            <a:fillRect/>
-          </a:stretch>
+        <p:blipFill rotWithShape="1">
+          <a:blip r:embed="rId3"/>
+          <a:srcRect l="3824" t="5316" r="4287" b="11807"/>
+          <a:stretch/>
         </p:blipFill>
         <p:spPr>
           <a:xfrm>
-            <a:off x="6445073" y="3893684"/>
-            <a:ext cx="5455917" cy="1063904"/>
+            <a:off x="6344598" y="3671379"/>
+            <a:ext cx="5781843" cy="860426"/>
           </a:xfrm>
           <a:prstGeom prst="rect">
             <a:avLst/>
           </a:prstGeom>
         </p:spPr>
       </p:pic>
+      <p:sp>
+        <p:nvSpPr>
+          <p:cNvPr id="13" name="TextBox 12">
+            <a:extLst>
+              <a:ext uri="{FF2B5EF4-FFF2-40B4-BE49-F238E27FC236}">
+                <a16:creationId xmlns:a16="http://schemas.microsoft.com/office/drawing/2014/main" id="{827962D9-32D7-4372-85C5-43864425E481}"/>
+              </a:ext>
+            </a:extLst>
+          </p:cNvPr>
+          <p:cNvSpPr txBox="1"/>
+          <p:nvPr/>
+        </p:nvSpPr>
+        <p:spPr>
+          <a:xfrm>
+            <a:off x="1624808" y="5151042"/>
+            <a:ext cx="3000061" cy="369332"/>
+          </a:xfrm>
+          <a:prstGeom prst="rect">
+            <a:avLst/>
+          </a:prstGeom>
+          <a:noFill/>
+        </p:spPr>
+        <p:txBody>
+          <a:bodyPr wrap="square">
+            <a:spAutoFit/>
+          </a:bodyPr>
+          <a:lstStyle/>
+          <a:p>
+            <a:r>
+              <a:rPr lang="en-NZ" dirty="0"/>
+              <a:t>Short-time Energy Calculation</a:t>
+            </a:r>
+          </a:p>
+        </p:txBody>
+      </p:sp>
+      <p:sp>
+        <p:nvSpPr>
+          <p:cNvPr id="15" name="TextBox 14">
+            <a:extLst>
+              <a:ext uri="{FF2B5EF4-FFF2-40B4-BE49-F238E27FC236}">
+                <a16:creationId xmlns:a16="http://schemas.microsoft.com/office/drawing/2014/main" id="{43E4500E-BA3E-43CB-B2E2-13BC0B5CA231}"/>
+              </a:ext>
+            </a:extLst>
+          </p:cNvPr>
+          <p:cNvSpPr txBox="1"/>
+          <p:nvPr/>
+        </p:nvSpPr>
+        <p:spPr>
+          <a:xfrm>
+            <a:off x="7740423" y="5151042"/>
+            <a:ext cx="2990191" cy="369332"/>
+          </a:xfrm>
+          <a:prstGeom prst="rect">
+            <a:avLst/>
+          </a:prstGeom>
+          <a:noFill/>
+        </p:spPr>
+        <p:txBody>
+          <a:bodyPr wrap="square">
+            <a:spAutoFit/>
+          </a:bodyPr>
+          <a:lstStyle/>
+          <a:p>
+            <a:r>
+              <a:rPr lang="en-NZ" dirty="0"/>
+              <a:t>Zero Crossing Rate Calculation</a:t>
+            </a:r>
+          </a:p>
+        </p:txBody>
+      </p:sp>
     </p:spTree>
     <p:extLst>
       <p:ext uri="{BB962C8B-B14F-4D97-AF65-F5344CB8AC3E}">
-        <p14:creationId xmlns:p14="http://schemas.microsoft.com/office/powerpoint/2010/main" val="3135432290"/>
+        <p14:creationId xmlns:p14="http://schemas.microsoft.com/office/powerpoint/2010/main" val="2738839803"/>
       </p:ext>
     </p:extLst>
   </p:cSld>
@@ -4397,10 +4839,10 @@
       </p:grpSpPr>
       <p:sp>
         <p:nvSpPr>
-          <p:cNvPr id="1031" name="Rectangle 1030">
-            <a:extLst>
-              <a:ext uri="{FF2B5EF4-FFF2-40B4-BE49-F238E27FC236}">
-                <a16:creationId xmlns:a16="http://schemas.microsoft.com/office/drawing/2014/main" id="{AB45A142-4255-493C-8284-5D566C121B10}"/>
+          <p:cNvPr id="14" name="Rectangle 13">
+            <a:extLst>
+              <a:ext uri="{FF2B5EF4-FFF2-40B4-BE49-F238E27FC236}">
+                <a16:creationId xmlns:a16="http://schemas.microsoft.com/office/drawing/2014/main" id="{823AC064-BC96-4F32-8AE1-B2FD38754823}"/>
               </a:ext>
               <a:ext uri="{C183D7F6-B498-43B3-948B-1728B52AA6E4}">
                 <adec:decorative xmlns:adec="http://schemas.microsoft.com/office/drawing/2017/decorative" val="1"/>
@@ -4420,22 +4862,18 @@
         </p:nvSpPr>
         <p:spPr bwMode="ltGray">
           <a:xfrm>
-            <a:off x="336884" y="321177"/>
-            <a:ext cx="4332307" cy="6179552"/>
+            <a:off x="396882" y="280374"/>
+            <a:ext cx="11438793" cy="1844256"/>
           </a:xfrm>
           <a:prstGeom prst="rect">
             <a:avLst/>
           </a:prstGeom>
           <a:solidFill>
-            <a:srgbClr val="404040">
-              <a:alpha val="89804"/>
-            </a:srgbClr>
+            <a:srgbClr val="404040"/>
           </a:solidFill>
           <a:ln w="127000" cap="sq" cmpd="thinThick">
             <a:solidFill>
-              <a:srgbClr val="595959">
-                <a:alpha val="80000"/>
-              </a:srgbClr>
+              <a:srgbClr val="404040"/>
             </a:solidFill>
           </a:ln>
         </p:spPr>
@@ -4469,7 +4907,7 @@
           <p:cNvPr id="2" name="Title 1">
             <a:extLst>
               <a:ext uri="{FF2B5EF4-FFF2-40B4-BE49-F238E27FC236}">
-                <a16:creationId xmlns:a16="http://schemas.microsoft.com/office/drawing/2014/main" id="{D904A34F-A6B7-4504-A029-7F3BA47B1069}"/>
+                <a16:creationId xmlns:a16="http://schemas.microsoft.com/office/drawing/2014/main" id="{52708CEB-27EF-4AF6-BD48-86E5E6E8B264}"/>
               </a:ext>
             </a:extLst>
           </p:cNvPr>
@@ -4482,8 +4920,8 @@
         </p:nvSpPr>
         <p:spPr>
           <a:xfrm>
-            <a:off x="674237" y="914400"/>
-            <a:ext cx="3657600" cy="2887579"/>
+            <a:off x="546351" y="433545"/>
+            <a:ext cx="11139854" cy="930447"/>
           </a:xfrm>
         </p:spPr>
         <p:txBody>
@@ -4494,16 +4932,414 @@
           <a:p>
             <a:pPr algn="ctr"/>
             <a:r>
-              <a:rPr lang="en-US" sz="4800" kern="1200">
+              <a:rPr lang="en-US" sz="5400" dirty="0">
                 <a:solidFill>
                   <a:srgbClr val="FFFFFF"/>
                 </a:solidFill>
-                <a:latin typeface="+mj-lt"/>
-                <a:ea typeface="+mj-ea"/>
-                <a:cs typeface="+mj-cs"/>
               </a:rPr>
-              <a:t>VAD Segmentation</a:t>
-            </a:r>
+              <a:t>Energy Zero Crossing </a:t>
+            </a:r>
+          </a:p>
+        </p:txBody>
+      </p:sp>
+      <p:cxnSp>
+        <p:nvCxnSpPr>
+          <p:cNvPr id="16" name="Straight Connector 15">
+            <a:extLst>
+              <a:ext uri="{FF2B5EF4-FFF2-40B4-BE49-F238E27FC236}">
+                <a16:creationId xmlns:a16="http://schemas.microsoft.com/office/drawing/2014/main" id="{7E7C77BC-7138-40B1-A15B-20F57A494629}"/>
+              </a:ext>
+              <a:ext uri="{C183D7F6-B498-43B3-948B-1728B52AA6E4}">
+                <adec:decorative xmlns:adec="http://schemas.microsoft.com/office/drawing/2017/decorative" val="1"/>
+              </a:ext>
+            </a:extLst>
+          </p:cNvPr>
+          <p:cNvCxnSpPr>
+            <a:cxnSpLocks noGrp="1" noRot="1" noChangeAspect="1" noMove="1" noResize="1" noEditPoints="1" noAdjustHandles="1" noChangeArrowheads="1" noChangeShapeType="1"/>
+          </p:cNvCxnSpPr>
+          <p:nvPr>
+            <p:extLst>
+              <p:ext uri="{386F3935-93C4-4BCD-93E2-E3B085C9AB24}">
+                <p16:designElem xmlns:p16="http://schemas.microsoft.com/office/powerpoint/2015/main" val="1"/>
+              </p:ext>
+            </p:extLst>
+          </p:nvPr>
+        </p:nvCxnSpPr>
+        <p:spPr>
+          <a:xfrm>
+            <a:off x="2230078" y="1522292"/>
+            <a:ext cx="7772400" cy="0"/>
+          </a:xfrm>
+          <a:prstGeom prst="line">
+            <a:avLst/>
+          </a:prstGeom>
+          <a:ln w="22225">
+            <a:solidFill>
+              <a:srgbClr val="D9D9D9"/>
+            </a:solidFill>
+          </a:ln>
+        </p:spPr>
+        <p:style>
+          <a:lnRef idx="1">
+            <a:schemeClr val="accent1"/>
+          </a:lnRef>
+          <a:fillRef idx="0">
+            <a:schemeClr val="accent1"/>
+          </a:fillRef>
+          <a:effectRef idx="0">
+            <a:schemeClr val="accent1"/>
+          </a:effectRef>
+          <a:fontRef idx="minor">
+            <a:schemeClr val="tx1"/>
+          </a:fontRef>
+        </p:style>
+      </p:cxnSp>
+      <p:pic>
+        <p:nvPicPr>
+          <p:cNvPr id="7" name="Content Placeholder 6" descr="A picture containing application&#10;&#10;Description automatically generated">
+            <a:extLst>
+              <a:ext uri="{FF2B5EF4-FFF2-40B4-BE49-F238E27FC236}">
+                <a16:creationId xmlns:a16="http://schemas.microsoft.com/office/drawing/2014/main" id="{D441FBBF-36D5-493F-A61E-3CDB76B5CA1D}"/>
+              </a:ext>
+            </a:extLst>
+          </p:cNvPr>
+          <p:cNvPicPr>
+            <a:picLocks noGrp="1" noChangeAspect="1"/>
+          </p:cNvPicPr>
+          <p:nvPr>
+            <p:ph idx="1"/>
+          </p:nvPr>
+        </p:nvPicPr>
+        <p:blipFill rotWithShape="1">
+          <a:blip r:embed="rId2">
+            <a:extLst>
+              <a:ext uri="{28A0092B-C50C-407E-A947-70E740481C1C}">
+                <a14:useLocalDpi xmlns:a14="http://schemas.microsoft.com/office/drawing/2010/main" val="0"/>
+              </a:ext>
+            </a:extLst>
+          </a:blip>
+          <a:srcRect r="53247"/>
+          <a:stretch/>
+        </p:blipFill>
+        <p:spPr>
+          <a:xfrm>
+            <a:off x="-24937" y="3767959"/>
+            <a:ext cx="3099510" cy="1292772"/>
+          </a:xfrm>
+          <a:prstGeom prst="rect">
+            <a:avLst/>
+          </a:prstGeom>
+        </p:spPr>
+      </p:pic>
+      <p:cxnSp>
+        <p:nvCxnSpPr>
+          <p:cNvPr id="18" name="Straight Connector 17">
+            <a:extLst>
+              <a:ext uri="{FF2B5EF4-FFF2-40B4-BE49-F238E27FC236}">
+                <a16:creationId xmlns:a16="http://schemas.microsoft.com/office/drawing/2014/main" id="{DB146403-F3D6-484B-B2ED-97F9565D0370}"/>
+              </a:ext>
+              <a:ext uri="{C183D7F6-B498-43B3-948B-1728B52AA6E4}">
+                <adec:decorative xmlns:adec="http://schemas.microsoft.com/office/drawing/2017/decorative" val="1"/>
+              </a:ext>
+            </a:extLst>
+          </p:cNvPr>
+          <p:cNvCxnSpPr>
+            <a:cxnSpLocks noGrp="1" noRot="1" noChangeAspect="1" noMove="1" noResize="1" noEditPoints="1" noAdjustHandles="1" noChangeArrowheads="1" noChangeShapeType="1"/>
+          </p:cNvCxnSpPr>
+          <p:nvPr>
+            <p:extLst>
+              <p:ext uri="{386F3935-93C4-4BCD-93E2-E3B085C9AB24}">
+                <p16:designElem xmlns:p16="http://schemas.microsoft.com/office/powerpoint/2015/main" val="1"/>
+              </p:ext>
+            </p:extLst>
+          </p:nvPr>
+        </p:nvCxnSpPr>
+        <p:spPr>
+          <a:xfrm>
+            <a:off x="6116278" y="2596836"/>
+            <a:ext cx="0" cy="3657600"/>
+          </a:xfrm>
+          <a:prstGeom prst="line">
+            <a:avLst/>
+          </a:prstGeom>
+          <a:ln w="101600" cmpd="dbl">
+            <a:solidFill>
+              <a:srgbClr val="595959"/>
+            </a:solidFill>
+          </a:ln>
+        </p:spPr>
+        <p:style>
+          <a:lnRef idx="1">
+            <a:schemeClr val="accent1"/>
+          </a:lnRef>
+          <a:fillRef idx="0">
+            <a:schemeClr val="accent1"/>
+          </a:fillRef>
+          <a:effectRef idx="0">
+            <a:schemeClr val="accent1"/>
+          </a:effectRef>
+          <a:fontRef idx="minor">
+            <a:schemeClr val="tx1"/>
+          </a:fontRef>
+        </p:style>
+      </p:cxnSp>
+      <p:pic>
+        <p:nvPicPr>
+          <p:cNvPr id="9" name="Picture 8" descr="A picture containing logo&#10;&#10;Description automatically generated">
+            <a:extLst>
+              <a:ext uri="{FF2B5EF4-FFF2-40B4-BE49-F238E27FC236}">
+                <a16:creationId xmlns:a16="http://schemas.microsoft.com/office/drawing/2014/main" id="{7CE971DA-7C8D-4907-AE04-914B798FD35D}"/>
+              </a:ext>
+            </a:extLst>
+          </p:cNvPr>
+          <p:cNvPicPr>
+            <a:picLocks noChangeAspect="1"/>
+          </p:cNvPicPr>
+          <p:nvPr/>
+        </p:nvPicPr>
+        <p:blipFill rotWithShape="1">
+          <a:blip r:embed="rId3">
+            <a:extLst>
+              <a:ext uri="{28A0092B-C50C-407E-A947-70E740481C1C}">
+                <a14:useLocalDpi xmlns:a14="http://schemas.microsoft.com/office/drawing/2010/main" val="0"/>
+              </a:ext>
+            </a:extLst>
+          </a:blip>
+          <a:srcRect r="52942"/>
+          <a:stretch/>
+        </p:blipFill>
+        <p:spPr>
+          <a:xfrm>
+            <a:off x="6116278" y="3767956"/>
+            <a:ext cx="3119751" cy="1292773"/>
+          </a:xfrm>
+          <a:prstGeom prst="rect">
+            <a:avLst/>
+          </a:prstGeom>
+        </p:spPr>
+      </p:pic>
+      <p:pic>
+        <p:nvPicPr>
+          <p:cNvPr id="13" name="Content Placeholder 6" descr="A picture containing application&#10;&#10;Description automatically generated">
+            <a:extLst>
+              <a:ext uri="{FF2B5EF4-FFF2-40B4-BE49-F238E27FC236}">
+                <a16:creationId xmlns:a16="http://schemas.microsoft.com/office/drawing/2014/main" id="{17DABC1C-DFD4-4C0C-95BA-E6272DD18FEA}"/>
+              </a:ext>
+            </a:extLst>
+          </p:cNvPr>
+          <p:cNvPicPr>
+            <a:picLocks noChangeAspect="1"/>
+          </p:cNvPicPr>
+          <p:nvPr/>
+        </p:nvPicPr>
+        <p:blipFill rotWithShape="1">
+          <a:blip r:embed="rId2">
+            <a:extLst>
+              <a:ext uri="{28A0092B-C50C-407E-A947-70E740481C1C}">
+                <a14:useLocalDpi xmlns:a14="http://schemas.microsoft.com/office/drawing/2010/main" val="0"/>
+              </a:ext>
+            </a:extLst>
+          </a:blip>
+          <a:srcRect l="53324"/>
+          <a:stretch/>
+        </p:blipFill>
+        <p:spPr>
+          <a:xfrm>
+            <a:off x="2958661" y="3767959"/>
+            <a:ext cx="3094450" cy="1292772"/>
+          </a:xfrm>
+          <a:prstGeom prst="rect">
+            <a:avLst/>
+          </a:prstGeom>
+        </p:spPr>
+      </p:pic>
+      <p:pic>
+        <p:nvPicPr>
+          <p:cNvPr id="17" name="Picture 16" descr="A picture containing logo&#10;&#10;Description automatically generated">
+            <a:extLst>
+              <a:ext uri="{FF2B5EF4-FFF2-40B4-BE49-F238E27FC236}">
+                <a16:creationId xmlns:a16="http://schemas.microsoft.com/office/drawing/2014/main" id="{A92205BB-FABB-438A-9A83-ED2AA9E35FA8}"/>
+              </a:ext>
+            </a:extLst>
+          </p:cNvPr>
+          <p:cNvPicPr>
+            <a:picLocks noChangeAspect="1"/>
+          </p:cNvPicPr>
+          <p:nvPr/>
+        </p:nvPicPr>
+        <p:blipFill rotWithShape="1">
+          <a:blip r:embed="rId3">
+            <a:extLst>
+              <a:ext uri="{28A0092B-C50C-407E-A947-70E740481C1C}">
+                <a14:useLocalDpi xmlns:a14="http://schemas.microsoft.com/office/drawing/2010/main" val="0"/>
+              </a:ext>
+            </a:extLst>
+          </a:blip>
+          <a:srcRect l="53736"/>
+          <a:stretch/>
+        </p:blipFill>
+        <p:spPr>
+          <a:xfrm>
+            <a:off x="9124904" y="3776927"/>
+            <a:ext cx="3067096" cy="1292773"/>
+          </a:xfrm>
+          <a:prstGeom prst="rect">
+            <a:avLst/>
+          </a:prstGeom>
+        </p:spPr>
+      </p:pic>
+    </p:spTree>
+    <p:extLst>
+      <p:ext uri="{BB962C8B-B14F-4D97-AF65-F5344CB8AC3E}">
+        <p14:creationId xmlns:p14="http://schemas.microsoft.com/office/powerpoint/2010/main" val="3135432290"/>
+      </p:ext>
+    </p:extLst>
+  </p:cSld>
+  <p:clrMapOvr>
+    <a:masterClrMapping/>
+  </p:clrMapOvr>
+</p:sld>
+</file>
+
+<file path=ppt/slides/slide5.xml><?xml version="1.0" encoding="utf-8"?>
+<p:sld xmlns:a="http://schemas.openxmlformats.org/drawingml/2006/main" xmlns:r="http://schemas.openxmlformats.org/officeDocument/2006/relationships" xmlns:p="http://schemas.openxmlformats.org/presentationml/2006/main">
+  <p:cSld>
+    <p:bg>
+      <p:bgPr>
+        <a:solidFill>
+          <a:schemeClr val="bg1"/>
+        </a:solidFill>
+        <a:effectLst/>
+      </p:bgPr>
+    </p:bg>
+    <p:spTree>
+      <p:nvGrpSpPr>
+        <p:cNvPr id="1" name=""/>
+        <p:cNvGrpSpPr/>
+        <p:nvPr/>
+      </p:nvGrpSpPr>
+      <p:grpSpPr>
+        <a:xfrm>
+          <a:off x="0" y="0"/>
+          <a:ext cx="0" cy="0"/>
+          <a:chOff x="0" y="0"/>
+          <a:chExt cx="0" cy="0"/>
+        </a:xfrm>
+      </p:grpSpPr>
+      <p:sp>
+        <p:nvSpPr>
+          <p:cNvPr id="1031" name="Rectangle 1030">
+            <a:extLst>
+              <a:ext uri="{FF2B5EF4-FFF2-40B4-BE49-F238E27FC236}">
+                <a16:creationId xmlns:a16="http://schemas.microsoft.com/office/drawing/2014/main" id="{AB45A142-4255-493C-8284-5D566C121B10}"/>
+              </a:ext>
+              <a:ext uri="{C183D7F6-B498-43B3-948B-1728B52AA6E4}">
+                <adec:decorative xmlns:adec="http://schemas.microsoft.com/office/drawing/2017/decorative" val="1"/>
+              </a:ext>
+            </a:extLst>
+          </p:cNvPr>
+          <p:cNvSpPr>
+            <a:spLocks noGrp="1" noRot="1" noChangeAspect="1" noMove="1" noResize="1" noEditPoints="1" noAdjustHandles="1" noChangeArrowheads="1" noChangeShapeType="1" noTextEdit="1"/>
+          </p:cNvSpPr>
+          <p:nvPr>
+            <p:extLst>
+              <p:ext uri="{386F3935-93C4-4BCD-93E2-E3B085C9AB24}">
+                <p16:designElem xmlns:p16="http://schemas.microsoft.com/office/powerpoint/2015/main" val="1"/>
+              </p:ext>
+            </p:extLst>
+          </p:nvPr>
+        </p:nvSpPr>
+        <p:spPr bwMode="ltGray">
+          <a:xfrm>
+            <a:off x="336884" y="321177"/>
+            <a:ext cx="4332307" cy="6179552"/>
+          </a:xfrm>
+          <a:prstGeom prst="rect">
+            <a:avLst/>
+          </a:prstGeom>
+          <a:solidFill>
+            <a:srgbClr val="404040">
+              <a:alpha val="89804"/>
+            </a:srgbClr>
+          </a:solidFill>
+          <a:ln w="127000" cap="sq" cmpd="thinThick">
+            <a:solidFill>
+              <a:srgbClr val="595959">
+                <a:alpha val="80000"/>
+              </a:srgbClr>
+            </a:solidFill>
+          </a:ln>
+        </p:spPr>
+        <p:style>
+          <a:lnRef idx="2">
+            <a:schemeClr val="accent1">
+              <a:shade val="50000"/>
+            </a:schemeClr>
+          </a:lnRef>
+          <a:fillRef idx="1">
+            <a:schemeClr val="accent1"/>
+          </a:fillRef>
+          <a:effectRef idx="0">
+            <a:schemeClr val="accent1"/>
+          </a:effectRef>
+          <a:fontRef idx="minor">
+            <a:schemeClr val="lt1"/>
+          </a:fontRef>
+        </p:style>
+        <p:txBody>
+          <a:bodyPr rtlCol="0" anchor="ctr"/>
+          <a:lstStyle/>
+          <a:p>
+            <a:pPr algn="ctr"/>
+            <a:endParaRPr lang="en-US"/>
+          </a:p>
+        </p:txBody>
+      </p:sp>
+      <p:sp>
+        <p:nvSpPr>
+          <p:cNvPr id="2" name="Title 1">
+            <a:extLst>
+              <a:ext uri="{FF2B5EF4-FFF2-40B4-BE49-F238E27FC236}">
+                <a16:creationId xmlns:a16="http://schemas.microsoft.com/office/drawing/2014/main" id="{D904A34F-A6B7-4504-A029-7F3BA47B1069}"/>
+              </a:ext>
+            </a:extLst>
+          </p:cNvPr>
+          <p:cNvSpPr>
+            <a:spLocks noGrp="1"/>
+          </p:cNvSpPr>
+          <p:nvPr>
+            <p:ph type="title"/>
+          </p:nvPr>
+        </p:nvSpPr>
+        <p:spPr>
+          <a:xfrm>
+            <a:off x="224009" y="0"/>
+            <a:ext cx="4521023" cy="3523454"/>
+          </a:xfrm>
+        </p:spPr>
+        <p:txBody>
+          <a:bodyPr vert="horz" lIns="91440" tIns="45720" rIns="91440" bIns="45720" rtlCol="0" anchor="b">
+            <a:normAutofit/>
+          </a:bodyPr>
+          <a:lstStyle/>
+          <a:p>
+            <a:pPr algn="ctr"/>
+            <a:r>
+              <a:rPr lang="en-US" sz="4800" dirty="0">
+                <a:solidFill>
+                  <a:srgbClr val="FFFFFF"/>
+                </a:solidFill>
+              </a:rPr>
+              <a:t>Voice Activation Detection Segmentation</a:t>
+            </a:r>
+            <a:endParaRPr lang="en-US" sz="4800" kern="1200" dirty="0">
+              <a:solidFill>
+                <a:srgbClr val="FFFFFF"/>
+              </a:solidFill>
+              <a:latin typeface="+mj-lt"/>
+              <a:ea typeface="+mj-ea"/>
+              <a:cs typeface="+mj-cs"/>
+            </a:endParaRPr>
           </a:p>
         </p:txBody>
       </p:sp>
@@ -4620,7 +5456,7 @@
 </p:sld>
 </file>
 
-<file path=ppt/slides/slide5.xml><?xml version="1.0" encoding="utf-8"?>
+<file path=ppt/slides/slide6.xml><?xml version="1.0" encoding="utf-8"?>
 <p:sld xmlns:a="http://schemas.openxmlformats.org/drawingml/2006/main" xmlns:r="http://schemas.openxmlformats.org/officeDocument/2006/relationships" xmlns:p="http://schemas.openxmlformats.org/presentationml/2006/main">
   <p:cSld>
     <p:spTree>
@@ -4727,7 +5563,7 @@
 </p:sld>
 </file>
 
-<file path=ppt/slides/slide6.xml><?xml version="1.0" encoding="utf-8"?>
+<file path=ppt/slides/slide7.xml><?xml version="1.0" encoding="utf-8"?>
 <p:sld xmlns:a="http://schemas.openxmlformats.org/drawingml/2006/main" xmlns:r="http://schemas.openxmlformats.org/officeDocument/2006/relationships" xmlns:p="http://schemas.openxmlformats.org/presentationml/2006/main">
   <p:cSld>
     <p:spTree>
